--- a/[KodeGo] Student Project Proposal - GianMiguel.pptx
+++ b/[KodeGo] Student Project Proposal - GianMiguel.pptx
@@ -18,14 +18,14 @@
   <p:notesSz cx="6858000" cy="9144000"/>
   <p:embeddedFontLst>
     <p:embeddedFont>
-      <p:font typeface="Montserrat" panose="020B0604020202020204" charset="0"/>
+      <p:font typeface="Montserrat" panose="00000500000000000000" pitchFamily="2" charset="0"/>
       <p:regular r:id="rId8"/>
       <p:bold r:id="rId9"/>
       <p:italic r:id="rId10"/>
       <p:boldItalic r:id="rId11"/>
     </p:embeddedFont>
     <p:embeddedFont>
-      <p:font typeface="Roboto" panose="020B0604020202020204" charset="0"/>
+      <p:font typeface="Roboto" panose="02000000000000000000" pitchFamily="2" charset="0"/>
       <p:regular r:id="rId12"/>
       <p:bold r:id="rId13"/>
       <p:italic r:id="rId14"/>
@@ -1536,10 +1536,9 @@
         <a:lstStyle/>
         <a:p>
           <a:r>
-            <a:rPr lang="en-US" sz="1000" dirty="0" smtClean="0"/>
+            <a:rPr lang="en-US" sz="1000" dirty="0"/>
             <a:t>Inspiration</a:t>
           </a:r>
-          <a:endParaRPr lang="en-US" sz="1000" dirty="0"/>
         </a:p>
       </dgm:t>
     </dgm:pt>
@@ -1900,10 +1899,9 @@
         <a:lstStyle/>
         <a:p>
           <a:r>
-            <a:rPr lang="en-US" sz="1000" dirty="0" smtClean="0"/>
+            <a:rPr lang="en-US" sz="1000" dirty="0"/>
             <a:t>Adventure</a:t>
           </a:r>
-          <a:endParaRPr lang="en-US" sz="1000" dirty="0"/>
         </a:p>
       </dgm:t>
     </dgm:pt>
@@ -1937,10 +1935,9 @@
         <a:lstStyle/>
         <a:p>
           <a:r>
-            <a:rPr lang="en-US" sz="1000" dirty="0" smtClean="0"/>
+            <a:rPr lang="en-US" sz="1000" dirty="0"/>
             <a:t>Destination</a:t>
           </a:r>
-          <a:endParaRPr lang="en-US" sz="1000" dirty="0"/>
         </a:p>
       </dgm:t>
     </dgm:pt>
@@ -1974,17 +1971,13 @@
         <a:lstStyle/>
         <a:p>
           <a:r>
-            <a:rPr lang="en-US" dirty="0" smtClean="0"/>
-            <a:t>Short </a:t>
-          </a:r>
-          <a:r>
-            <a:rPr lang="en-US" dirty="0" smtClean="0"/>
-            <a:t>Rides</a:t>
+            <a:rPr lang="en-US" dirty="0"/>
+            <a:t>Short Rides</a:t>
           </a:r>
         </a:p>
         <a:p>
           <a:r>
-            <a:rPr lang="en-US" dirty="0" smtClean="0"/>
+            <a:rPr lang="en-US" dirty="0"/>
             <a:t> (Day Tour)</a:t>
           </a:r>
         </a:p>
@@ -2020,20 +2013,15 @@
         <a:lstStyle/>
         <a:p>
           <a:r>
-            <a:rPr lang="en-US" dirty="0" smtClean="0"/>
-            <a:t>Long </a:t>
-          </a:r>
-          <a:r>
-            <a:rPr lang="en-US" dirty="0" smtClean="0"/>
-            <a:t>Rides</a:t>
+            <a:rPr lang="en-US" dirty="0"/>
+            <a:t>Long Rides</a:t>
           </a:r>
         </a:p>
         <a:p>
           <a:r>
-            <a:rPr lang="en-US" dirty="0" smtClean="0"/>
+            <a:rPr lang="en-US" dirty="0"/>
             <a:t>(2-3 days) </a:t>
           </a:r>
-          <a:endParaRPr lang="en-US" dirty="0"/>
         </a:p>
       </dgm:t>
     </dgm:pt>
@@ -2067,20 +2055,15 @@
         <a:lstStyle/>
         <a:p>
           <a:r>
-            <a:rPr lang="en-US" dirty="0" smtClean="0"/>
-            <a:t>Longer </a:t>
-          </a:r>
-          <a:r>
-            <a:rPr lang="en-US" dirty="0" smtClean="0"/>
-            <a:t>Rides </a:t>
+            <a:rPr lang="en-US" dirty="0"/>
+            <a:t>Longer Rides </a:t>
           </a:r>
         </a:p>
         <a:p>
           <a:r>
-            <a:rPr lang="en-US" dirty="0" smtClean="0"/>
+            <a:rPr lang="en-US" dirty="0"/>
             <a:t>(at least 5 days)</a:t>
           </a:r>
-          <a:endParaRPr lang="en-US" dirty="0"/>
         </a:p>
       </dgm:t>
     </dgm:pt>
@@ -2117,46 +2100,18 @@
         </dgm:presLayoutVars>
       </dgm:prSet>
       <dgm:spPr/>
-      <dgm:t>
-        <a:bodyPr/>
-        <a:lstStyle/>
-        <a:p>
-          <a:endParaRPr lang="en-US"/>
-        </a:p>
-      </dgm:t>
     </dgm:pt>
     <dgm:pt modelId="{7F9F7393-EC6A-483B-B97B-A3921635C1F6}" type="pres">
       <dgm:prSet presAssocID="{4A258F56-9220-4831-954B-0752C6130E93}" presName="hierRoot1" presStyleCnt="0"/>
       <dgm:spPr/>
-      <dgm:t>
-        <a:bodyPr/>
-        <a:lstStyle/>
-        <a:p>
-          <a:endParaRPr lang="en-US"/>
-        </a:p>
-      </dgm:t>
     </dgm:pt>
     <dgm:pt modelId="{36AC8AA8-8612-4CB6-947E-2084EF9884CF}" type="pres">
       <dgm:prSet presAssocID="{4A258F56-9220-4831-954B-0752C6130E93}" presName="composite" presStyleCnt="0"/>
       <dgm:spPr/>
-      <dgm:t>
-        <a:bodyPr/>
-        <a:lstStyle/>
-        <a:p>
-          <a:endParaRPr lang="en-US"/>
-        </a:p>
-      </dgm:t>
     </dgm:pt>
     <dgm:pt modelId="{CCA12C5C-912C-4096-8C51-F3C8D1F5EAA1}" type="pres">
       <dgm:prSet presAssocID="{4A258F56-9220-4831-954B-0752C6130E93}" presName="background" presStyleLbl="node0" presStyleIdx="0" presStyleCnt="1"/>
       <dgm:spPr/>
-      <dgm:t>
-        <a:bodyPr/>
-        <a:lstStyle/>
-        <a:p>
-          <a:endParaRPr lang="en-US"/>
-        </a:p>
-      </dgm:t>
     </dgm:pt>
     <dgm:pt modelId="{74CC4AB6-D6D3-4E3C-89CF-FAD437EFD2BA}" type="pres">
       <dgm:prSet presAssocID="{4A258F56-9220-4831-954B-0752C6130E93}" presName="text" presStyleLbl="fgAcc0" presStyleIdx="0" presStyleCnt="1" custLinFactNeighborX="-68702" custLinFactNeighborY="-12221">
@@ -2165,35 +2120,14 @@
         </dgm:presLayoutVars>
       </dgm:prSet>
       <dgm:spPr/>
-      <dgm:t>
-        <a:bodyPr/>
-        <a:lstStyle/>
-        <a:p>
-          <a:endParaRPr lang="en-US"/>
-        </a:p>
-      </dgm:t>
     </dgm:pt>
     <dgm:pt modelId="{D59AE745-C500-4306-822B-9D37825DD65D}" type="pres">
       <dgm:prSet presAssocID="{4A258F56-9220-4831-954B-0752C6130E93}" presName="hierChild2" presStyleCnt="0"/>
       <dgm:spPr/>
-      <dgm:t>
-        <a:bodyPr/>
-        <a:lstStyle/>
-        <a:p>
-          <a:endParaRPr lang="en-US"/>
-        </a:p>
-      </dgm:t>
     </dgm:pt>
     <dgm:pt modelId="{1245DD98-B8EC-4418-A6AD-FD17AED71F28}" type="pres">
       <dgm:prSet presAssocID="{E0E3D9FB-54EB-4D84-81EA-3AB6E09698C7}" presName="Name10" presStyleLbl="parChTrans1D2" presStyleIdx="0" presStyleCnt="4"/>
       <dgm:spPr/>
-      <dgm:t>
-        <a:bodyPr/>
-        <a:lstStyle/>
-        <a:p>
-          <a:endParaRPr lang="en-US"/>
-        </a:p>
-      </dgm:t>
     </dgm:pt>
     <dgm:pt modelId="{91D46198-27DC-4042-82DA-8FE42DBF5B1C}" type="pres">
       <dgm:prSet presAssocID="{E37DBF2F-FF1D-4D04-BD49-06F9115B5186}" presName="hierRoot2" presStyleCnt="0"/>
@@ -2214,13 +2148,6 @@
         </dgm:presLayoutVars>
       </dgm:prSet>
       <dgm:spPr/>
-      <dgm:t>
-        <a:bodyPr/>
-        <a:lstStyle/>
-        <a:p>
-          <a:endParaRPr lang="en-US"/>
-        </a:p>
-      </dgm:t>
     </dgm:pt>
     <dgm:pt modelId="{7A25F697-CB9F-4CB9-9D9C-941720F45BB2}" type="pres">
       <dgm:prSet presAssocID="{E37DBF2F-FF1D-4D04-BD49-06F9115B5186}" presName="hierChild3" presStyleCnt="0"/>
@@ -2229,13 +2156,6 @@
     <dgm:pt modelId="{B505D8BC-B70A-4E6B-8B71-D246A82BB1DD}" type="pres">
       <dgm:prSet presAssocID="{F9F12511-8416-4382-B904-BCA4B6AE431B}" presName="Name17" presStyleLbl="parChTrans1D3" presStyleIdx="0" presStyleCnt="11"/>
       <dgm:spPr/>
-      <dgm:t>
-        <a:bodyPr/>
-        <a:lstStyle/>
-        <a:p>
-          <a:endParaRPr lang="en-US"/>
-        </a:p>
-      </dgm:t>
     </dgm:pt>
     <dgm:pt modelId="{73F6FC35-4970-428F-822B-1B3C20688207}" type="pres">
       <dgm:prSet presAssocID="{CB931D35-FCCE-46DA-A8E8-210CE2F0E1EC}" presName="hierRoot3" presStyleCnt="0"/>
@@ -2256,13 +2176,6 @@
         </dgm:presLayoutVars>
       </dgm:prSet>
       <dgm:spPr/>
-      <dgm:t>
-        <a:bodyPr/>
-        <a:lstStyle/>
-        <a:p>
-          <a:endParaRPr lang="en-US"/>
-        </a:p>
-      </dgm:t>
     </dgm:pt>
     <dgm:pt modelId="{858956A2-ACDC-41D0-A4CA-5F37EE828AFE}" type="pres">
       <dgm:prSet presAssocID="{CB931D35-FCCE-46DA-A8E8-210CE2F0E1EC}" presName="hierChild4" presStyleCnt="0"/>
@@ -2271,13 +2184,6 @@
     <dgm:pt modelId="{920E9499-8583-4C36-8FFB-9FE05953463B}" type="pres">
       <dgm:prSet presAssocID="{8EC76F6B-A194-4D63-83D0-2B047E117D23}" presName="Name17" presStyleLbl="parChTrans1D3" presStyleIdx="1" presStyleCnt="11"/>
       <dgm:spPr/>
-      <dgm:t>
-        <a:bodyPr/>
-        <a:lstStyle/>
-        <a:p>
-          <a:endParaRPr lang="en-US"/>
-        </a:p>
-      </dgm:t>
     </dgm:pt>
     <dgm:pt modelId="{94E52775-0634-47EA-B2AF-E04AD6652494}" type="pres">
       <dgm:prSet presAssocID="{A84C8F00-0C6D-4932-99F1-2A9A77995F13}" presName="hierRoot3" presStyleCnt="0"/>
@@ -2298,13 +2204,6 @@
         </dgm:presLayoutVars>
       </dgm:prSet>
       <dgm:spPr/>
-      <dgm:t>
-        <a:bodyPr/>
-        <a:lstStyle/>
-        <a:p>
-          <a:endParaRPr lang="en-US"/>
-        </a:p>
-      </dgm:t>
     </dgm:pt>
     <dgm:pt modelId="{625AA691-58FE-4A56-9FF2-1F11A6F16948}" type="pres">
       <dgm:prSet presAssocID="{A84C8F00-0C6D-4932-99F1-2A9A77995F13}" presName="hierChild4" presStyleCnt="0"/>
@@ -2313,13 +2212,6 @@
     <dgm:pt modelId="{864549E6-F46A-47C4-9F83-2C49ECF645A7}" type="pres">
       <dgm:prSet presAssocID="{97740401-8FF8-4C25-9E1D-9E10CA215E58}" presName="Name17" presStyleLbl="parChTrans1D3" presStyleIdx="2" presStyleCnt="11"/>
       <dgm:spPr/>
-      <dgm:t>
-        <a:bodyPr/>
-        <a:lstStyle/>
-        <a:p>
-          <a:endParaRPr lang="en-US"/>
-        </a:p>
-      </dgm:t>
     </dgm:pt>
     <dgm:pt modelId="{8F60F05A-6F22-4797-8C1A-8DAF00FA87AF}" type="pres">
       <dgm:prSet presAssocID="{60DA7E18-F85F-4D3C-BB54-37B62C3DACB1}" presName="hierRoot3" presStyleCnt="0"/>
@@ -2340,13 +2232,6 @@
         </dgm:presLayoutVars>
       </dgm:prSet>
       <dgm:spPr/>
-      <dgm:t>
-        <a:bodyPr/>
-        <a:lstStyle/>
-        <a:p>
-          <a:endParaRPr lang="en-US"/>
-        </a:p>
-      </dgm:t>
     </dgm:pt>
     <dgm:pt modelId="{3B212D13-18CB-428A-94C0-170E247D1278}" type="pres">
       <dgm:prSet presAssocID="{60DA7E18-F85F-4D3C-BB54-37B62C3DACB1}" presName="hierChild4" presStyleCnt="0"/>
@@ -2355,46 +2240,18 @@
     <dgm:pt modelId="{91F39854-E9E3-4C33-B278-D7143A3E1A0B}" type="pres">
       <dgm:prSet presAssocID="{B05B3854-D5DE-4747-91E6-0AA97925CB4E}" presName="Name10" presStyleLbl="parChTrans1D2" presStyleIdx="1" presStyleCnt="4"/>
       <dgm:spPr/>
-      <dgm:t>
-        <a:bodyPr/>
-        <a:lstStyle/>
-        <a:p>
-          <a:endParaRPr lang="en-US"/>
-        </a:p>
-      </dgm:t>
     </dgm:pt>
     <dgm:pt modelId="{0017D771-09A2-4B12-8C56-15C5F2AA6711}" type="pres">
       <dgm:prSet presAssocID="{79D28BA1-8C9B-4411-A49A-34E2F4DFD6C3}" presName="hierRoot2" presStyleCnt="0"/>
       <dgm:spPr/>
-      <dgm:t>
-        <a:bodyPr/>
-        <a:lstStyle/>
-        <a:p>
-          <a:endParaRPr lang="en-US"/>
-        </a:p>
-      </dgm:t>
     </dgm:pt>
     <dgm:pt modelId="{B1368E6D-7AE3-4A95-B7A9-977A78298A69}" type="pres">
       <dgm:prSet presAssocID="{79D28BA1-8C9B-4411-A49A-34E2F4DFD6C3}" presName="composite2" presStyleCnt="0"/>
       <dgm:spPr/>
-      <dgm:t>
-        <a:bodyPr/>
-        <a:lstStyle/>
-        <a:p>
-          <a:endParaRPr lang="en-US"/>
-        </a:p>
-      </dgm:t>
     </dgm:pt>
     <dgm:pt modelId="{51BE9938-F0E9-44A5-B0B2-B6B675FBE4C1}" type="pres">
       <dgm:prSet presAssocID="{79D28BA1-8C9B-4411-A49A-34E2F4DFD6C3}" presName="background2" presStyleLbl="node2" presStyleIdx="1" presStyleCnt="4"/>
       <dgm:spPr/>
-      <dgm:t>
-        <a:bodyPr/>
-        <a:lstStyle/>
-        <a:p>
-          <a:endParaRPr lang="en-US"/>
-        </a:p>
-      </dgm:t>
     </dgm:pt>
     <dgm:pt modelId="{5CFD5CB4-2EC6-4C2D-AB5A-2A929D973F92}" type="pres">
       <dgm:prSet presAssocID="{79D28BA1-8C9B-4411-A49A-34E2F4DFD6C3}" presName="text2" presStyleLbl="fgAcc2" presStyleIdx="1" presStyleCnt="4" custScaleX="158905" custLinFactY="100000" custLinFactNeighborX="-39266" custLinFactNeighborY="184325">
@@ -2403,68 +2260,26 @@
         </dgm:presLayoutVars>
       </dgm:prSet>
       <dgm:spPr/>
-      <dgm:t>
-        <a:bodyPr/>
-        <a:lstStyle/>
-        <a:p>
-          <a:endParaRPr lang="en-US"/>
-        </a:p>
-      </dgm:t>
     </dgm:pt>
     <dgm:pt modelId="{83C0D4E1-AB63-4F54-BD6B-A0277776D571}" type="pres">
       <dgm:prSet presAssocID="{79D28BA1-8C9B-4411-A49A-34E2F4DFD6C3}" presName="hierChild3" presStyleCnt="0"/>
       <dgm:spPr/>
-      <dgm:t>
-        <a:bodyPr/>
-        <a:lstStyle/>
-        <a:p>
-          <a:endParaRPr lang="en-US"/>
-        </a:p>
-      </dgm:t>
     </dgm:pt>
     <dgm:pt modelId="{3A2FCB6C-3F3B-4ED4-80EA-D0ECE31C751D}" type="pres">
       <dgm:prSet presAssocID="{97A58660-223F-4D04-A250-A9C416CF27F9}" presName="Name17" presStyleLbl="parChTrans1D3" presStyleIdx="3" presStyleCnt="11"/>
       <dgm:spPr/>
-      <dgm:t>
-        <a:bodyPr/>
-        <a:lstStyle/>
-        <a:p>
-          <a:endParaRPr lang="en-US"/>
-        </a:p>
-      </dgm:t>
     </dgm:pt>
     <dgm:pt modelId="{EFC4ED03-316B-4408-9A48-8B43D9A04385}" type="pres">
       <dgm:prSet presAssocID="{1C556762-7846-4E90-A59B-AD827FC63C1E}" presName="hierRoot3" presStyleCnt="0"/>
       <dgm:spPr/>
-      <dgm:t>
-        <a:bodyPr/>
-        <a:lstStyle/>
-        <a:p>
-          <a:endParaRPr lang="en-US"/>
-        </a:p>
-      </dgm:t>
     </dgm:pt>
     <dgm:pt modelId="{3FB02BE5-5B15-45D7-9C9A-B3CF3E604031}" type="pres">
       <dgm:prSet presAssocID="{1C556762-7846-4E90-A59B-AD827FC63C1E}" presName="composite3" presStyleCnt="0"/>
       <dgm:spPr/>
-      <dgm:t>
-        <a:bodyPr/>
-        <a:lstStyle/>
-        <a:p>
-          <a:endParaRPr lang="en-US"/>
-        </a:p>
-      </dgm:t>
     </dgm:pt>
     <dgm:pt modelId="{AFFA81DB-DED9-4F08-974B-A9340ECD2853}" type="pres">
       <dgm:prSet presAssocID="{1C556762-7846-4E90-A59B-AD827FC63C1E}" presName="background3" presStyleLbl="node3" presStyleIdx="3" presStyleCnt="11"/>
       <dgm:spPr/>
-      <dgm:t>
-        <a:bodyPr/>
-        <a:lstStyle/>
-        <a:p>
-          <a:endParaRPr lang="en-US"/>
-        </a:p>
-      </dgm:t>
     </dgm:pt>
     <dgm:pt modelId="{D3C351FC-8733-40B4-A831-0CE5707B1928}" type="pres">
       <dgm:prSet presAssocID="{1C556762-7846-4E90-A59B-AD827FC63C1E}" presName="text3" presStyleLbl="fgAcc3" presStyleIdx="3" presStyleCnt="11" custLinFactY="100000" custLinFactNeighborX="-44230" custLinFactNeighborY="184388">
@@ -2473,68 +2288,26 @@
         </dgm:presLayoutVars>
       </dgm:prSet>
       <dgm:spPr/>
-      <dgm:t>
-        <a:bodyPr/>
-        <a:lstStyle/>
-        <a:p>
-          <a:endParaRPr lang="en-US"/>
-        </a:p>
-      </dgm:t>
     </dgm:pt>
     <dgm:pt modelId="{37412808-C07A-4CD3-8ABF-7292E2B54BE7}" type="pres">
       <dgm:prSet presAssocID="{1C556762-7846-4E90-A59B-AD827FC63C1E}" presName="hierChild4" presStyleCnt="0"/>
       <dgm:spPr/>
-      <dgm:t>
-        <a:bodyPr/>
-        <a:lstStyle/>
-        <a:p>
-          <a:endParaRPr lang="en-US"/>
-        </a:p>
-      </dgm:t>
     </dgm:pt>
     <dgm:pt modelId="{12DF3727-C0F9-43BC-BFF1-3BFE758E09D1}" type="pres">
       <dgm:prSet presAssocID="{65563AB2-23F6-4C68-964E-72D89700E817}" presName="Name17" presStyleLbl="parChTrans1D3" presStyleIdx="4" presStyleCnt="11"/>
       <dgm:spPr/>
-      <dgm:t>
-        <a:bodyPr/>
-        <a:lstStyle/>
-        <a:p>
-          <a:endParaRPr lang="en-US"/>
-        </a:p>
-      </dgm:t>
     </dgm:pt>
     <dgm:pt modelId="{263A8B36-06C7-48EF-8B58-BA492F2D64F3}" type="pres">
       <dgm:prSet presAssocID="{3B83BA6D-D8DD-4320-B9A4-1642B4C83254}" presName="hierRoot3" presStyleCnt="0"/>
       <dgm:spPr/>
-      <dgm:t>
-        <a:bodyPr/>
-        <a:lstStyle/>
-        <a:p>
-          <a:endParaRPr lang="en-US"/>
-        </a:p>
-      </dgm:t>
     </dgm:pt>
     <dgm:pt modelId="{D4431F27-6FB7-4DC3-B759-9185FECE4C24}" type="pres">
       <dgm:prSet presAssocID="{3B83BA6D-D8DD-4320-B9A4-1642B4C83254}" presName="composite3" presStyleCnt="0"/>
       <dgm:spPr/>
-      <dgm:t>
-        <a:bodyPr/>
-        <a:lstStyle/>
-        <a:p>
-          <a:endParaRPr lang="en-US"/>
-        </a:p>
-      </dgm:t>
     </dgm:pt>
     <dgm:pt modelId="{09612C51-2B9C-405D-8DB3-E0239541C55B}" type="pres">
       <dgm:prSet presAssocID="{3B83BA6D-D8DD-4320-B9A4-1642B4C83254}" presName="background3" presStyleLbl="node3" presStyleIdx="4" presStyleCnt="11"/>
       <dgm:spPr/>
-      <dgm:t>
-        <a:bodyPr/>
-        <a:lstStyle/>
-        <a:p>
-          <a:endParaRPr lang="en-US"/>
-        </a:p>
-      </dgm:t>
     </dgm:pt>
     <dgm:pt modelId="{288049B8-275E-4710-A639-CBFD97476C1A}" type="pres">
       <dgm:prSet presAssocID="{3B83BA6D-D8DD-4320-B9A4-1642B4C83254}" presName="text3" presStyleLbl="fgAcc3" presStyleIdx="4" presStyleCnt="11" custLinFactY="100000" custLinFactNeighborX="-44230" custLinFactNeighborY="184388">
@@ -2543,68 +2316,26 @@
         </dgm:presLayoutVars>
       </dgm:prSet>
       <dgm:spPr/>
-      <dgm:t>
-        <a:bodyPr/>
-        <a:lstStyle/>
-        <a:p>
-          <a:endParaRPr lang="en-US"/>
-        </a:p>
-      </dgm:t>
     </dgm:pt>
     <dgm:pt modelId="{C7E44261-603D-4BBF-8B50-33394B5910B4}" type="pres">
       <dgm:prSet presAssocID="{3B83BA6D-D8DD-4320-B9A4-1642B4C83254}" presName="hierChild4" presStyleCnt="0"/>
       <dgm:spPr/>
-      <dgm:t>
-        <a:bodyPr/>
-        <a:lstStyle/>
-        <a:p>
-          <a:endParaRPr lang="en-US"/>
-        </a:p>
-      </dgm:t>
     </dgm:pt>
     <dgm:pt modelId="{BE36FD89-A5E5-4764-8152-190EC0601051}" type="pres">
       <dgm:prSet presAssocID="{DE47D2C3-087A-4761-93A5-2E4AC2A452C1}" presName="Name17" presStyleLbl="parChTrans1D3" presStyleIdx="5" presStyleCnt="11"/>
       <dgm:spPr/>
-      <dgm:t>
-        <a:bodyPr/>
-        <a:lstStyle/>
-        <a:p>
-          <a:endParaRPr lang="en-US"/>
-        </a:p>
-      </dgm:t>
     </dgm:pt>
     <dgm:pt modelId="{737414F0-FBD7-4646-A0EE-391F4F540772}" type="pres">
       <dgm:prSet presAssocID="{235ED348-EA11-4287-97F4-79CCAE69B756}" presName="hierRoot3" presStyleCnt="0"/>
       <dgm:spPr/>
-      <dgm:t>
-        <a:bodyPr/>
-        <a:lstStyle/>
-        <a:p>
-          <a:endParaRPr lang="en-US"/>
-        </a:p>
-      </dgm:t>
     </dgm:pt>
     <dgm:pt modelId="{A32F9AAF-E6CE-428D-B303-7372295DB635}" type="pres">
       <dgm:prSet presAssocID="{235ED348-EA11-4287-97F4-79CCAE69B756}" presName="composite3" presStyleCnt="0"/>
       <dgm:spPr/>
-      <dgm:t>
-        <a:bodyPr/>
-        <a:lstStyle/>
-        <a:p>
-          <a:endParaRPr lang="en-US"/>
-        </a:p>
-      </dgm:t>
     </dgm:pt>
     <dgm:pt modelId="{2E65C271-63C8-493D-AEE8-822BE2278403}" type="pres">
       <dgm:prSet presAssocID="{235ED348-EA11-4287-97F4-79CCAE69B756}" presName="background3" presStyleLbl="node3" presStyleIdx="5" presStyleCnt="11"/>
       <dgm:spPr/>
-      <dgm:t>
-        <a:bodyPr/>
-        <a:lstStyle/>
-        <a:p>
-          <a:endParaRPr lang="en-US"/>
-        </a:p>
-      </dgm:t>
     </dgm:pt>
     <dgm:pt modelId="{180E9229-07CD-49D0-97C4-A2F9219F4B53}" type="pres">
       <dgm:prSet presAssocID="{235ED348-EA11-4287-97F4-79CCAE69B756}" presName="text3" presStyleLbl="fgAcc3" presStyleIdx="5" presStyleCnt="11" custScaleX="143104" custLinFactY="100000" custLinFactNeighborX="-44230" custLinFactNeighborY="184388">
@@ -2613,68 +2344,26 @@
         </dgm:presLayoutVars>
       </dgm:prSet>
       <dgm:spPr/>
-      <dgm:t>
-        <a:bodyPr/>
-        <a:lstStyle/>
-        <a:p>
-          <a:endParaRPr lang="en-US"/>
-        </a:p>
-      </dgm:t>
     </dgm:pt>
     <dgm:pt modelId="{4761C910-C119-4ABE-8EAA-905E87E54FC4}" type="pres">
       <dgm:prSet presAssocID="{235ED348-EA11-4287-97F4-79CCAE69B756}" presName="hierChild4" presStyleCnt="0"/>
       <dgm:spPr/>
-      <dgm:t>
-        <a:bodyPr/>
-        <a:lstStyle/>
-        <a:p>
-          <a:endParaRPr lang="en-US"/>
-        </a:p>
-      </dgm:t>
     </dgm:pt>
     <dgm:pt modelId="{44BEFC38-DD0A-44B6-B76D-F930A9CD8C23}" type="pres">
       <dgm:prSet presAssocID="{3C074095-3F27-44A2-9C8B-F3523FE0E0DB}" presName="Name17" presStyleLbl="parChTrans1D3" presStyleIdx="6" presStyleCnt="11"/>
       <dgm:spPr/>
-      <dgm:t>
-        <a:bodyPr/>
-        <a:lstStyle/>
-        <a:p>
-          <a:endParaRPr lang="en-US"/>
-        </a:p>
-      </dgm:t>
     </dgm:pt>
     <dgm:pt modelId="{65891365-FD0B-4799-B889-F2D871BD1081}" type="pres">
       <dgm:prSet presAssocID="{2DC7E84E-7FCE-4B48-9E2E-394C06537B89}" presName="hierRoot3" presStyleCnt="0"/>
       <dgm:spPr/>
-      <dgm:t>
-        <a:bodyPr/>
-        <a:lstStyle/>
-        <a:p>
-          <a:endParaRPr lang="en-US"/>
-        </a:p>
-      </dgm:t>
     </dgm:pt>
     <dgm:pt modelId="{BC347631-9E8C-415C-8977-6AD5C1BA24DC}" type="pres">
       <dgm:prSet presAssocID="{2DC7E84E-7FCE-4B48-9E2E-394C06537B89}" presName="composite3" presStyleCnt="0"/>
       <dgm:spPr/>
-      <dgm:t>
-        <a:bodyPr/>
-        <a:lstStyle/>
-        <a:p>
-          <a:endParaRPr lang="en-US"/>
-        </a:p>
-      </dgm:t>
     </dgm:pt>
     <dgm:pt modelId="{84E7274B-DF06-4528-9401-EA856BB43504}" type="pres">
       <dgm:prSet presAssocID="{2DC7E84E-7FCE-4B48-9E2E-394C06537B89}" presName="background3" presStyleLbl="node3" presStyleIdx="6" presStyleCnt="11"/>
       <dgm:spPr/>
-      <dgm:t>
-        <a:bodyPr/>
-        <a:lstStyle/>
-        <a:p>
-          <a:endParaRPr lang="en-US"/>
-        </a:p>
-      </dgm:t>
     </dgm:pt>
     <dgm:pt modelId="{F417788D-41BE-4709-8881-AC4C734CFB58}" type="pres">
       <dgm:prSet presAssocID="{2DC7E84E-7FCE-4B48-9E2E-394C06537B89}" presName="text3" presStyleLbl="fgAcc3" presStyleIdx="6" presStyleCnt="11" custLinFactY="100000" custLinFactNeighborX="-44230" custLinFactNeighborY="184388">
@@ -2683,68 +2372,26 @@
         </dgm:presLayoutVars>
       </dgm:prSet>
       <dgm:spPr/>
-      <dgm:t>
-        <a:bodyPr/>
-        <a:lstStyle/>
-        <a:p>
-          <a:endParaRPr lang="en-US"/>
-        </a:p>
-      </dgm:t>
     </dgm:pt>
     <dgm:pt modelId="{7CCC4CB0-42AF-4B50-8DBD-FF1C5810FAD1}" type="pres">
       <dgm:prSet presAssocID="{2DC7E84E-7FCE-4B48-9E2E-394C06537B89}" presName="hierChild4" presStyleCnt="0"/>
       <dgm:spPr/>
-      <dgm:t>
-        <a:bodyPr/>
-        <a:lstStyle/>
-        <a:p>
-          <a:endParaRPr lang="en-US"/>
-        </a:p>
-      </dgm:t>
     </dgm:pt>
     <dgm:pt modelId="{67F28220-00D8-41BB-B9F6-2D419FFB008A}" type="pres">
       <dgm:prSet presAssocID="{09932A12-1EAD-4416-AF16-62A9B3A7DAC6}" presName="Name17" presStyleLbl="parChTrans1D3" presStyleIdx="7" presStyleCnt="11"/>
       <dgm:spPr/>
-      <dgm:t>
-        <a:bodyPr/>
-        <a:lstStyle/>
-        <a:p>
-          <a:endParaRPr lang="en-US"/>
-        </a:p>
-      </dgm:t>
     </dgm:pt>
     <dgm:pt modelId="{5D664F1B-89BE-419F-A15E-E07B8036037A}" type="pres">
       <dgm:prSet presAssocID="{8A7FABD7-4462-484B-A98A-98BCEA7B65E6}" presName="hierRoot3" presStyleCnt="0"/>
       <dgm:spPr/>
-      <dgm:t>
-        <a:bodyPr/>
-        <a:lstStyle/>
-        <a:p>
-          <a:endParaRPr lang="en-US"/>
-        </a:p>
-      </dgm:t>
     </dgm:pt>
     <dgm:pt modelId="{A1BB4880-FF66-4F0A-ABEF-60FBC0DE8011}" type="pres">
       <dgm:prSet presAssocID="{8A7FABD7-4462-484B-A98A-98BCEA7B65E6}" presName="composite3" presStyleCnt="0"/>
       <dgm:spPr/>
-      <dgm:t>
-        <a:bodyPr/>
-        <a:lstStyle/>
-        <a:p>
-          <a:endParaRPr lang="en-US"/>
-        </a:p>
-      </dgm:t>
     </dgm:pt>
     <dgm:pt modelId="{FFA1E043-B134-4542-AB9C-DD96A0E82084}" type="pres">
       <dgm:prSet presAssocID="{8A7FABD7-4462-484B-A98A-98BCEA7B65E6}" presName="background3" presStyleLbl="node3" presStyleIdx="7" presStyleCnt="11"/>
       <dgm:spPr/>
-      <dgm:t>
-        <a:bodyPr/>
-        <a:lstStyle/>
-        <a:p>
-          <a:endParaRPr lang="en-US"/>
-        </a:p>
-      </dgm:t>
     </dgm:pt>
     <dgm:pt modelId="{09F33F8F-E59C-4CD8-BCD7-A83EB98D5DCC}" type="pres">
       <dgm:prSet presAssocID="{8A7FABD7-4462-484B-A98A-98BCEA7B65E6}" presName="text3" presStyleLbl="fgAcc3" presStyleIdx="7" presStyleCnt="11" custLinFactY="100000" custLinFactNeighborX="-44230" custLinFactNeighborY="184388">
@@ -2753,68 +2400,26 @@
         </dgm:presLayoutVars>
       </dgm:prSet>
       <dgm:spPr/>
-      <dgm:t>
-        <a:bodyPr/>
-        <a:lstStyle/>
-        <a:p>
-          <a:endParaRPr lang="en-US"/>
-        </a:p>
-      </dgm:t>
     </dgm:pt>
     <dgm:pt modelId="{EC0D6FDC-BABE-425D-8111-2A8B8D1D9F3F}" type="pres">
       <dgm:prSet presAssocID="{8A7FABD7-4462-484B-A98A-98BCEA7B65E6}" presName="hierChild4" presStyleCnt="0"/>
       <dgm:spPr/>
-      <dgm:t>
-        <a:bodyPr/>
-        <a:lstStyle/>
-        <a:p>
-          <a:endParaRPr lang="en-US"/>
-        </a:p>
-      </dgm:t>
     </dgm:pt>
     <dgm:pt modelId="{410102B3-D223-43AB-AC10-1B603D9A4FE0}" type="pres">
       <dgm:prSet presAssocID="{39A555B5-5401-4A34-B740-3034F2C70088}" presName="Name10" presStyleLbl="parChTrans1D2" presStyleIdx="2" presStyleCnt="4"/>
       <dgm:spPr/>
-      <dgm:t>
-        <a:bodyPr/>
-        <a:lstStyle/>
-        <a:p>
-          <a:endParaRPr lang="en-US"/>
-        </a:p>
-      </dgm:t>
     </dgm:pt>
     <dgm:pt modelId="{D478E2CC-478C-47CD-9597-4F2240C10DE4}" type="pres">
       <dgm:prSet presAssocID="{640DF01D-1B22-443B-AB60-6ECB48179393}" presName="hierRoot2" presStyleCnt="0"/>
       <dgm:spPr/>
-      <dgm:t>
-        <a:bodyPr/>
-        <a:lstStyle/>
-        <a:p>
-          <a:endParaRPr lang="en-US"/>
-        </a:p>
-      </dgm:t>
     </dgm:pt>
     <dgm:pt modelId="{D57447CF-044A-464F-8A9A-C70E2B008867}" type="pres">
       <dgm:prSet presAssocID="{640DF01D-1B22-443B-AB60-6ECB48179393}" presName="composite2" presStyleCnt="0"/>
       <dgm:spPr/>
-      <dgm:t>
-        <a:bodyPr/>
-        <a:lstStyle/>
-        <a:p>
-          <a:endParaRPr lang="en-US"/>
-        </a:p>
-      </dgm:t>
     </dgm:pt>
     <dgm:pt modelId="{B9D4F3D7-5C7D-4293-AE05-A139F8489311}" type="pres">
       <dgm:prSet presAssocID="{640DF01D-1B22-443B-AB60-6ECB48179393}" presName="background2" presStyleLbl="node2" presStyleIdx="2" presStyleCnt="4"/>
       <dgm:spPr/>
-      <dgm:t>
-        <a:bodyPr/>
-        <a:lstStyle/>
-        <a:p>
-          <a:endParaRPr lang="en-US"/>
-        </a:p>
-      </dgm:t>
     </dgm:pt>
     <dgm:pt modelId="{82B60949-12AA-4BD3-9BB9-30EA91343A9C}" type="pres">
       <dgm:prSet presAssocID="{640DF01D-1B22-443B-AB60-6ECB48179393}" presName="text2" presStyleLbl="fgAcc2" presStyleIdx="2" presStyleCnt="4" custLinFactX="-86418" custLinFactNeighborX="-100000" custLinFactNeighborY="4626">
@@ -2823,68 +2428,26 @@
         </dgm:presLayoutVars>
       </dgm:prSet>
       <dgm:spPr/>
-      <dgm:t>
-        <a:bodyPr/>
-        <a:lstStyle/>
-        <a:p>
-          <a:endParaRPr lang="en-US"/>
-        </a:p>
-      </dgm:t>
     </dgm:pt>
     <dgm:pt modelId="{B0ABB374-C372-4904-97BA-D81BAD0C6466}" type="pres">
       <dgm:prSet presAssocID="{640DF01D-1B22-443B-AB60-6ECB48179393}" presName="hierChild3" presStyleCnt="0"/>
       <dgm:spPr/>
-      <dgm:t>
-        <a:bodyPr/>
-        <a:lstStyle/>
-        <a:p>
-          <a:endParaRPr lang="en-US"/>
-        </a:p>
-      </dgm:t>
     </dgm:pt>
     <dgm:pt modelId="{595FD265-10D7-4D54-8058-8F04048934CB}" type="pres">
       <dgm:prSet presAssocID="{CBDACCEA-833B-4F05-A461-A1812D62B090}" presName="Name17" presStyleLbl="parChTrans1D3" presStyleIdx="8" presStyleCnt="11"/>
       <dgm:spPr/>
-      <dgm:t>
-        <a:bodyPr/>
-        <a:lstStyle/>
-        <a:p>
-          <a:endParaRPr lang="en-US"/>
-        </a:p>
-      </dgm:t>
     </dgm:pt>
     <dgm:pt modelId="{0C409FCE-2DC6-47FE-BF0E-11086113FCAF}" type="pres">
       <dgm:prSet presAssocID="{6DF6108E-6B98-44DF-80FE-DF48BCA0FC62}" presName="hierRoot3" presStyleCnt="0"/>
       <dgm:spPr/>
-      <dgm:t>
-        <a:bodyPr/>
-        <a:lstStyle/>
-        <a:p>
-          <a:endParaRPr lang="en-US"/>
-        </a:p>
-      </dgm:t>
     </dgm:pt>
     <dgm:pt modelId="{9A4305DE-EFE5-4BEF-B498-F618F5A8A297}" type="pres">
       <dgm:prSet presAssocID="{6DF6108E-6B98-44DF-80FE-DF48BCA0FC62}" presName="composite3" presStyleCnt="0"/>
       <dgm:spPr/>
-      <dgm:t>
-        <a:bodyPr/>
-        <a:lstStyle/>
-        <a:p>
-          <a:endParaRPr lang="en-US"/>
-        </a:p>
-      </dgm:t>
     </dgm:pt>
     <dgm:pt modelId="{3F0EE6DA-EDCD-42D2-9CC3-50E780F3EFD7}" type="pres">
       <dgm:prSet presAssocID="{6DF6108E-6B98-44DF-80FE-DF48BCA0FC62}" presName="background3" presStyleLbl="node3" presStyleIdx="8" presStyleCnt="11"/>
       <dgm:spPr/>
-      <dgm:t>
-        <a:bodyPr/>
-        <a:lstStyle/>
-        <a:p>
-          <a:endParaRPr lang="en-US"/>
-        </a:p>
-      </dgm:t>
     </dgm:pt>
     <dgm:pt modelId="{13586DB6-7EC8-4CA1-8057-F7E23098196F}" type="pres">
       <dgm:prSet presAssocID="{6DF6108E-6B98-44DF-80FE-DF48BCA0FC62}" presName="text3" presStyleLbl="fgAcc3" presStyleIdx="8" presStyleCnt="11" custScaleX="166919" custLinFactX="-86418" custLinFactNeighborX="-100000" custLinFactNeighborY="2314">
@@ -2893,68 +2456,26 @@
         </dgm:presLayoutVars>
       </dgm:prSet>
       <dgm:spPr/>
-      <dgm:t>
-        <a:bodyPr/>
-        <a:lstStyle/>
-        <a:p>
-          <a:endParaRPr lang="en-US"/>
-        </a:p>
-      </dgm:t>
     </dgm:pt>
     <dgm:pt modelId="{45D7C4D6-F7CE-48BA-95C4-5B2E036D2CF1}" type="pres">
       <dgm:prSet presAssocID="{6DF6108E-6B98-44DF-80FE-DF48BCA0FC62}" presName="hierChild4" presStyleCnt="0"/>
       <dgm:spPr/>
-      <dgm:t>
-        <a:bodyPr/>
-        <a:lstStyle/>
-        <a:p>
-          <a:endParaRPr lang="en-US"/>
-        </a:p>
-      </dgm:t>
     </dgm:pt>
     <dgm:pt modelId="{7AA1884F-FDD5-4C0A-928C-90DBFB29744B}" type="pres">
       <dgm:prSet presAssocID="{D8ED88B7-556C-436A-ACA7-60D2CDF1EEF8}" presName="Name10" presStyleLbl="parChTrans1D2" presStyleIdx="3" presStyleCnt="4"/>
       <dgm:spPr/>
-      <dgm:t>
-        <a:bodyPr/>
-        <a:lstStyle/>
-        <a:p>
-          <a:endParaRPr lang="en-US"/>
-        </a:p>
-      </dgm:t>
     </dgm:pt>
     <dgm:pt modelId="{B2EB87E0-0081-4E02-A5B1-20F3BFF2458E}" type="pres">
       <dgm:prSet presAssocID="{9DD2441F-02D9-4D7B-BB1E-1B1E6F3604BD}" presName="hierRoot2" presStyleCnt="0"/>
       <dgm:spPr/>
-      <dgm:t>
-        <a:bodyPr/>
-        <a:lstStyle/>
-        <a:p>
-          <a:endParaRPr lang="en-US"/>
-        </a:p>
-      </dgm:t>
     </dgm:pt>
     <dgm:pt modelId="{7285A2AA-3ED5-4A0A-A2D8-ED7B195FFAFA}" type="pres">
       <dgm:prSet presAssocID="{9DD2441F-02D9-4D7B-BB1E-1B1E6F3604BD}" presName="composite2" presStyleCnt="0"/>
       <dgm:spPr/>
-      <dgm:t>
-        <a:bodyPr/>
-        <a:lstStyle/>
-        <a:p>
-          <a:endParaRPr lang="en-US"/>
-        </a:p>
-      </dgm:t>
     </dgm:pt>
     <dgm:pt modelId="{81EB4A5B-88E6-41A1-8EB8-102AE5602808}" type="pres">
       <dgm:prSet presAssocID="{9DD2441F-02D9-4D7B-BB1E-1B1E6F3604BD}" presName="background2" presStyleLbl="node2" presStyleIdx="3" presStyleCnt="4"/>
       <dgm:spPr/>
-      <dgm:t>
-        <a:bodyPr/>
-        <a:lstStyle/>
-        <a:p>
-          <a:endParaRPr lang="en-US"/>
-        </a:p>
-      </dgm:t>
     </dgm:pt>
     <dgm:pt modelId="{BC6F6DBF-54F4-49B7-96A3-8F23F1898CDF}" type="pres">
       <dgm:prSet presAssocID="{9DD2441F-02D9-4D7B-BB1E-1B1E6F3604BD}" presName="text2" presStyleLbl="fgAcc2" presStyleIdx="3" presStyleCnt="4" custScaleX="170125" custLinFactX="-39446" custLinFactNeighborX="-100000" custLinFactNeighborY="4624">
@@ -2963,68 +2484,26 @@
         </dgm:presLayoutVars>
       </dgm:prSet>
       <dgm:spPr/>
-      <dgm:t>
-        <a:bodyPr/>
-        <a:lstStyle/>
-        <a:p>
-          <a:endParaRPr lang="en-US"/>
-        </a:p>
-      </dgm:t>
     </dgm:pt>
     <dgm:pt modelId="{8A781A5E-1A1E-431D-B824-213AEAC5A56F}" type="pres">
       <dgm:prSet presAssocID="{9DD2441F-02D9-4D7B-BB1E-1B1E6F3604BD}" presName="hierChild3" presStyleCnt="0"/>
       <dgm:spPr/>
-      <dgm:t>
-        <a:bodyPr/>
-        <a:lstStyle/>
-        <a:p>
-          <a:endParaRPr lang="en-US"/>
-        </a:p>
-      </dgm:t>
     </dgm:pt>
     <dgm:pt modelId="{38FF5EAF-685B-43B6-9F2D-94074CE5C615}" type="pres">
       <dgm:prSet presAssocID="{DC58ED97-0CBF-474F-8A33-857F73BB94CB}" presName="Name17" presStyleLbl="parChTrans1D3" presStyleIdx="9" presStyleCnt="11"/>
       <dgm:spPr/>
-      <dgm:t>
-        <a:bodyPr/>
-        <a:lstStyle/>
-        <a:p>
-          <a:endParaRPr lang="en-US"/>
-        </a:p>
-      </dgm:t>
     </dgm:pt>
     <dgm:pt modelId="{43813B25-DF0C-4E24-A7FB-7B9CC8B0073F}" type="pres">
       <dgm:prSet presAssocID="{5934D71E-5F2A-49D9-9E77-AA32DF7F176A}" presName="hierRoot3" presStyleCnt="0"/>
       <dgm:spPr/>
-      <dgm:t>
-        <a:bodyPr/>
-        <a:lstStyle/>
-        <a:p>
-          <a:endParaRPr lang="en-US"/>
-        </a:p>
-      </dgm:t>
     </dgm:pt>
     <dgm:pt modelId="{5CF0C40E-E540-4170-88CD-60FD1223AD81}" type="pres">
       <dgm:prSet presAssocID="{5934D71E-5F2A-49D9-9E77-AA32DF7F176A}" presName="composite3" presStyleCnt="0"/>
       <dgm:spPr/>
-      <dgm:t>
-        <a:bodyPr/>
-        <a:lstStyle/>
-        <a:p>
-          <a:endParaRPr lang="en-US"/>
-        </a:p>
-      </dgm:t>
     </dgm:pt>
     <dgm:pt modelId="{1F69D823-5093-4A72-A991-F3BA4B43E0D2}" type="pres">
       <dgm:prSet presAssocID="{5934D71E-5F2A-49D9-9E77-AA32DF7F176A}" presName="background3" presStyleLbl="node3" presStyleIdx="9" presStyleCnt="11"/>
       <dgm:spPr/>
-      <dgm:t>
-        <a:bodyPr/>
-        <a:lstStyle/>
-        <a:p>
-          <a:endParaRPr lang="en-US"/>
-        </a:p>
-      </dgm:t>
     </dgm:pt>
     <dgm:pt modelId="{8940056C-1AE9-47AF-BD4F-5893D9CD9865}" type="pres">
       <dgm:prSet presAssocID="{5934D71E-5F2A-49D9-9E77-AA32DF7F176A}" presName="text3" presStyleLbl="fgAcc3" presStyleIdx="9" presStyleCnt="11" custLinFactX="-39446" custLinFactNeighborX="-100000" custLinFactNeighborY="13872">
@@ -3033,68 +2512,26 @@
         </dgm:presLayoutVars>
       </dgm:prSet>
       <dgm:spPr/>
-      <dgm:t>
-        <a:bodyPr/>
-        <a:lstStyle/>
-        <a:p>
-          <a:endParaRPr lang="en-US"/>
-        </a:p>
-      </dgm:t>
     </dgm:pt>
     <dgm:pt modelId="{A26AFD8E-8D97-4A97-B189-3B5FE3858484}" type="pres">
       <dgm:prSet presAssocID="{5934D71E-5F2A-49D9-9E77-AA32DF7F176A}" presName="hierChild4" presStyleCnt="0"/>
       <dgm:spPr/>
-      <dgm:t>
-        <a:bodyPr/>
-        <a:lstStyle/>
-        <a:p>
-          <a:endParaRPr lang="en-US"/>
-        </a:p>
-      </dgm:t>
     </dgm:pt>
     <dgm:pt modelId="{AA16AC7B-B35D-4776-B684-76B410A725D6}" type="pres">
       <dgm:prSet presAssocID="{F2A3A1DA-C95D-442F-8E0A-75203EAFE18F}" presName="Name17" presStyleLbl="parChTrans1D3" presStyleIdx="10" presStyleCnt="11"/>
       <dgm:spPr/>
-      <dgm:t>
-        <a:bodyPr/>
-        <a:lstStyle/>
-        <a:p>
-          <a:endParaRPr lang="en-US"/>
-        </a:p>
-      </dgm:t>
     </dgm:pt>
     <dgm:pt modelId="{1A332137-940B-4CC4-8C39-28049C7ED29A}" type="pres">
       <dgm:prSet presAssocID="{82B5076A-2556-4F72-B70A-7A79460B1B9F}" presName="hierRoot3" presStyleCnt="0"/>
       <dgm:spPr/>
-      <dgm:t>
-        <a:bodyPr/>
-        <a:lstStyle/>
-        <a:p>
-          <a:endParaRPr lang="en-US"/>
-        </a:p>
-      </dgm:t>
     </dgm:pt>
     <dgm:pt modelId="{034144C6-EE00-46C5-8797-00CAA5C79ECA}" type="pres">
       <dgm:prSet presAssocID="{82B5076A-2556-4F72-B70A-7A79460B1B9F}" presName="composite3" presStyleCnt="0"/>
       <dgm:spPr/>
-      <dgm:t>
-        <a:bodyPr/>
-        <a:lstStyle/>
-        <a:p>
-          <a:endParaRPr lang="en-US"/>
-        </a:p>
-      </dgm:t>
     </dgm:pt>
     <dgm:pt modelId="{37684EF1-FFC2-4ACF-98D1-C8230DF252B7}" type="pres">
       <dgm:prSet presAssocID="{82B5076A-2556-4F72-B70A-7A79460B1B9F}" presName="background3" presStyleLbl="node3" presStyleIdx="10" presStyleCnt="11"/>
       <dgm:spPr/>
-      <dgm:t>
-        <a:bodyPr/>
-        <a:lstStyle/>
-        <a:p>
-          <a:endParaRPr lang="en-US"/>
-        </a:p>
-      </dgm:t>
     </dgm:pt>
     <dgm:pt modelId="{6151F519-33C9-453C-9B6D-3A9CC6CB974B}" type="pres">
       <dgm:prSet presAssocID="{82B5076A-2556-4F72-B70A-7A79460B1B9F}" presName="text3" presStyleLbl="fgAcc3" presStyleIdx="10" presStyleCnt="11" custScaleX="147047" custLinFactX="-39446" custLinFactNeighborX="-100000" custLinFactNeighborY="13872">
@@ -3103,75 +2540,61 @@
         </dgm:presLayoutVars>
       </dgm:prSet>
       <dgm:spPr/>
-      <dgm:t>
-        <a:bodyPr/>
-        <a:lstStyle/>
-        <a:p>
-          <a:endParaRPr lang="en-US"/>
-        </a:p>
-      </dgm:t>
     </dgm:pt>
     <dgm:pt modelId="{69809E68-B267-4A19-8FC6-EB8DEAD8B288}" type="pres">
       <dgm:prSet presAssocID="{82B5076A-2556-4F72-B70A-7A79460B1B9F}" presName="hierChild4" presStyleCnt="0"/>
       <dgm:spPr/>
-      <dgm:t>
-        <a:bodyPr/>
-        <a:lstStyle/>
-        <a:p>
-          <a:endParaRPr lang="en-US"/>
-        </a:p>
-      </dgm:t>
     </dgm:pt>
   </dgm:ptLst>
   <dgm:cxnLst>
+    <dgm:cxn modelId="{D485F900-F0F9-4D1F-AA20-828586E33903}" type="presOf" srcId="{E0E3D9FB-54EB-4D84-81EA-3AB6E09698C7}" destId="{1245DD98-B8EC-4418-A6AD-FD17AED71F28}" srcOrd="0" destOrd="0" presId="urn:microsoft.com/office/officeart/2005/8/layout/hierarchy1"/>
+    <dgm:cxn modelId="{AB33380D-E3F9-40B4-AC17-4C0BDA08A200}" srcId="{E37DBF2F-FF1D-4D04-BD49-06F9115B5186}" destId="{60DA7E18-F85F-4D3C-BB54-37B62C3DACB1}" srcOrd="2" destOrd="0" parTransId="{97740401-8FF8-4C25-9E1D-9E10CA215E58}" sibTransId="{40495C18-58E8-494E-AD64-07BA9D380B36}"/>
+    <dgm:cxn modelId="{4B60F115-8ECA-43FC-B7DB-59A0F49D45AC}" type="presOf" srcId="{D8ED88B7-556C-436A-ACA7-60D2CDF1EEF8}" destId="{7AA1884F-FDD5-4C0A-928C-90DBFB29744B}" srcOrd="0" destOrd="0" presId="urn:microsoft.com/office/officeart/2005/8/layout/hierarchy1"/>
+    <dgm:cxn modelId="{ABD63817-5D87-46FA-8404-A6414275375E}" type="presOf" srcId="{79D28BA1-8C9B-4411-A49A-34E2F4DFD6C3}" destId="{5CFD5CB4-2EC6-4C2D-AB5A-2A929D973F92}" srcOrd="0" destOrd="0" presId="urn:microsoft.com/office/officeart/2005/8/layout/hierarchy1"/>
+    <dgm:cxn modelId="{C7F4161B-05C7-42C1-A76D-A0027AC9B8AF}" type="presOf" srcId="{DE47D2C3-087A-4761-93A5-2E4AC2A452C1}" destId="{BE36FD89-A5E5-4764-8152-190EC0601051}" srcOrd="0" destOrd="0" presId="urn:microsoft.com/office/officeart/2005/8/layout/hierarchy1"/>
+    <dgm:cxn modelId="{2BAEDD1B-AA5F-40C2-BE61-75791DA2AEF7}" type="presOf" srcId="{88574BA9-F3F7-4E54-8DBF-8437E2267FB8}" destId="{2D315DD9-DC31-4CE0-909F-F2DD5C4E686A}" srcOrd="0" destOrd="0" presId="urn:microsoft.com/office/officeart/2005/8/layout/hierarchy1"/>
+    <dgm:cxn modelId="{E9BF4C24-6873-40D6-BCA1-EE985EBFBBC4}" type="presOf" srcId="{2DC7E84E-7FCE-4B48-9E2E-394C06537B89}" destId="{F417788D-41BE-4709-8881-AC4C734CFB58}" srcOrd="0" destOrd="0" presId="urn:microsoft.com/office/officeart/2005/8/layout/hierarchy1"/>
+    <dgm:cxn modelId="{F7DDC124-93F4-447B-A3DA-78BB5EDE21DC}" type="presOf" srcId="{9DD2441F-02D9-4D7B-BB1E-1B1E6F3604BD}" destId="{BC6F6DBF-54F4-49B7-96A3-8F23F1898CDF}" srcOrd="0" destOrd="0" presId="urn:microsoft.com/office/officeart/2005/8/layout/hierarchy1"/>
+    <dgm:cxn modelId="{DF54CE24-225C-40C9-92E6-255C492D6796}" type="presOf" srcId="{4A258F56-9220-4831-954B-0752C6130E93}" destId="{74CC4AB6-D6D3-4E3C-89CF-FAD437EFD2BA}" srcOrd="0" destOrd="0" presId="urn:microsoft.com/office/officeart/2005/8/layout/hierarchy1"/>
+    <dgm:cxn modelId="{81592026-7EFA-4693-925C-08B748B84C86}" type="presOf" srcId="{F2A3A1DA-C95D-442F-8E0A-75203EAFE18F}" destId="{AA16AC7B-B35D-4776-B684-76B410A725D6}" srcOrd="0" destOrd="0" presId="urn:microsoft.com/office/officeart/2005/8/layout/hierarchy1"/>
+    <dgm:cxn modelId="{520D4539-69A7-44AD-BF4B-9F6983823AED}" type="presOf" srcId="{8EC76F6B-A194-4D63-83D0-2B047E117D23}" destId="{920E9499-8583-4C36-8FFB-9FE05953463B}" srcOrd="0" destOrd="0" presId="urn:microsoft.com/office/officeart/2005/8/layout/hierarchy1"/>
+    <dgm:cxn modelId="{3D6B2C60-2298-43F7-AC72-BD9A5DA16A8E}" type="presOf" srcId="{97740401-8FF8-4C25-9E1D-9E10CA215E58}" destId="{864549E6-F46A-47C4-9F83-2C49ECF645A7}" srcOrd="0" destOrd="0" presId="urn:microsoft.com/office/officeart/2005/8/layout/hierarchy1"/>
+    <dgm:cxn modelId="{F663F060-ADDB-4FCD-99D0-47B34C1A6CE5}" type="presOf" srcId="{F9F12511-8416-4382-B904-BCA4B6AE431B}" destId="{B505D8BC-B70A-4E6B-8B71-D246A82BB1DD}" srcOrd="0" destOrd="0" presId="urn:microsoft.com/office/officeart/2005/8/layout/hierarchy1"/>
+    <dgm:cxn modelId="{AA77AE63-CAB4-406F-9FE5-D8BEF85618A4}" type="presOf" srcId="{1C556762-7846-4E90-A59B-AD827FC63C1E}" destId="{D3C351FC-8733-40B4-A831-0CE5707B1928}" srcOrd="0" destOrd="0" presId="urn:microsoft.com/office/officeart/2005/8/layout/hierarchy1"/>
+    <dgm:cxn modelId="{F7F79347-2947-4792-BE89-1D33A5FA2102}" type="presOf" srcId="{6DF6108E-6B98-44DF-80FE-DF48BCA0FC62}" destId="{13586DB6-7EC8-4CA1-8057-F7E23098196F}" srcOrd="0" destOrd="0" presId="urn:microsoft.com/office/officeart/2005/8/layout/hierarchy1"/>
+    <dgm:cxn modelId="{CDDB9B49-60C6-49C9-A395-8BC5F18D1F54}" type="presOf" srcId="{09932A12-1EAD-4416-AF16-62A9B3A7DAC6}" destId="{67F28220-00D8-41BB-B9F6-2D419FFB008A}" srcOrd="0" destOrd="0" presId="urn:microsoft.com/office/officeart/2005/8/layout/hierarchy1"/>
+    <dgm:cxn modelId="{5304E44D-89A4-4F2C-B5E8-67D0B010F6CB}" srcId="{E37DBF2F-FF1D-4D04-BD49-06F9115B5186}" destId="{A84C8F00-0C6D-4932-99F1-2A9A77995F13}" srcOrd="1" destOrd="0" parTransId="{8EC76F6B-A194-4D63-83D0-2B047E117D23}" sibTransId="{E1FF815F-9124-47C1-B49A-EAB9358FED78}"/>
+    <dgm:cxn modelId="{6230936E-41D5-4AAA-8DA8-5A0143E3F779}" type="presOf" srcId="{65563AB2-23F6-4C68-964E-72D89700E817}" destId="{12DF3727-C0F9-43BC-BFF1-3BFE758E09D1}" srcOrd="0" destOrd="0" presId="urn:microsoft.com/office/officeart/2005/8/layout/hierarchy1"/>
+    <dgm:cxn modelId="{71BEFE4E-8641-40AC-82DA-34BB24322AC9}" type="presOf" srcId="{DC58ED97-0CBF-474F-8A33-857F73BB94CB}" destId="{38FF5EAF-685B-43B6-9F2D-94074CE5C615}" srcOrd="0" destOrd="0" presId="urn:microsoft.com/office/officeart/2005/8/layout/hierarchy1"/>
+    <dgm:cxn modelId="{4B419950-171E-41AA-AA16-A376F02C73A6}" srcId="{640DF01D-1B22-443B-AB60-6ECB48179393}" destId="{6DF6108E-6B98-44DF-80FE-DF48BCA0FC62}" srcOrd="0" destOrd="0" parTransId="{CBDACCEA-833B-4F05-A461-A1812D62B090}" sibTransId="{6AEA9344-8156-4362-93E2-C7F335CDBF95}"/>
+    <dgm:cxn modelId="{6AAC9571-BAA7-4575-B7EF-BD1A2A8CFE97}" type="presOf" srcId="{60DA7E18-F85F-4D3C-BB54-37B62C3DACB1}" destId="{E9DE0E90-ED90-476F-91D4-9A5A148B4CA9}" srcOrd="0" destOrd="0" presId="urn:microsoft.com/office/officeart/2005/8/layout/hierarchy1"/>
+    <dgm:cxn modelId="{E0AE2F72-189D-44C7-BD16-63BDE4BADF0B}" srcId="{9DD2441F-02D9-4D7B-BB1E-1B1E6F3604BD}" destId="{5934D71E-5F2A-49D9-9E77-AA32DF7F176A}" srcOrd="0" destOrd="0" parTransId="{DC58ED97-0CBF-474F-8A33-857F73BB94CB}" sibTransId="{853BBE1C-A3D5-4FDB-93C0-7A6696827671}"/>
+    <dgm:cxn modelId="{2288C453-69CA-4E7E-BD68-9E1B61FE4505}" type="presOf" srcId="{82B5076A-2556-4F72-B70A-7A79460B1B9F}" destId="{6151F519-33C9-453C-9B6D-3A9CC6CB974B}" srcOrd="0" destOrd="0" presId="urn:microsoft.com/office/officeart/2005/8/layout/hierarchy1"/>
+    <dgm:cxn modelId="{DEA23D74-F6A9-47A9-ABB0-8BDCF5918218}" srcId="{4A258F56-9220-4831-954B-0752C6130E93}" destId="{E37DBF2F-FF1D-4D04-BD49-06F9115B5186}" srcOrd="0" destOrd="0" parTransId="{E0E3D9FB-54EB-4D84-81EA-3AB6E09698C7}" sibTransId="{874A2D9C-4336-4E5D-B9A3-A086CFBA3B1D}"/>
+    <dgm:cxn modelId="{DB109154-BC74-4495-8A3F-48D468028D01}" srcId="{9DD2441F-02D9-4D7B-BB1E-1B1E6F3604BD}" destId="{82B5076A-2556-4F72-B70A-7A79460B1B9F}" srcOrd="1" destOrd="0" parTransId="{F2A3A1DA-C95D-442F-8E0A-75203EAFE18F}" sibTransId="{67676F4C-DE72-41DE-8273-CB0ABFD3301F}"/>
+    <dgm:cxn modelId="{6F741456-6733-4F74-8287-572EC8234558}" srcId="{79D28BA1-8C9B-4411-A49A-34E2F4DFD6C3}" destId="{1C556762-7846-4E90-A59B-AD827FC63C1E}" srcOrd="0" destOrd="0" parTransId="{97A58660-223F-4D04-A250-A9C416CF27F9}" sibTransId="{5FB16DF7-4742-481D-BF1D-F9523C25A751}"/>
+    <dgm:cxn modelId="{A5EED676-FC22-4F91-859F-4E8BC1DE53D3}" type="presOf" srcId="{235ED348-EA11-4287-97F4-79CCAE69B756}" destId="{180E9229-07CD-49D0-97C4-A2F9219F4B53}" srcOrd="0" destOrd="0" presId="urn:microsoft.com/office/officeart/2005/8/layout/hierarchy1"/>
+    <dgm:cxn modelId="{9E099859-319E-46B9-ABF8-14E3F63D6AEE}" srcId="{79D28BA1-8C9B-4411-A49A-34E2F4DFD6C3}" destId="{235ED348-EA11-4287-97F4-79CCAE69B756}" srcOrd="2" destOrd="0" parTransId="{DE47D2C3-087A-4761-93A5-2E4AC2A452C1}" sibTransId="{F43F3675-95DC-4023-8127-560DAEDAA21D}"/>
+    <dgm:cxn modelId="{5329C87F-2ECB-4CBE-846E-4B89A02B0FF2}" type="presOf" srcId="{5934D71E-5F2A-49D9-9E77-AA32DF7F176A}" destId="{8940056C-1AE9-47AF-BD4F-5893D9CD9865}" srcOrd="0" destOrd="0" presId="urn:microsoft.com/office/officeart/2005/8/layout/hierarchy1"/>
+    <dgm:cxn modelId="{EB5A4B8B-3000-4657-BE8C-D7925D9259AE}" srcId="{4A258F56-9220-4831-954B-0752C6130E93}" destId="{79D28BA1-8C9B-4411-A49A-34E2F4DFD6C3}" srcOrd="1" destOrd="0" parTransId="{B05B3854-D5DE-4747-91E6-0AA97925CB4E}" sibTransId="{0B0AA13E-5068-48A7-85E5-C1FDFF91D0AC}"/>
+    <dgm:cxn modelId="{DD9F038C-2229-4470-97BA-EF85400CB7BC}" type="presOf" srcId="{CBDACCEA-833B-4F05-A461-A1812D62B090}" destId="{595FD265-10D7-4D54-8058-8F04048934CB}" srcOrd="0" destOrd="0" presId="urn:microsoft.com/office/officeart/2005/8/layout/hierarchy1"/>
+    <dgm:cxn modelId="{560D3D92-B387-4100-B293-36E0B2CB5181}" type="presOf" srcId="{A84C8F00-0C6D-4932-99F1-2A9A77995F13}" destId="{DA80BE77-AF83-49E4-BA68-9E4D20190D7A}" srcOrd="0" destOrd="0" presId="urn:microsoft.com/office/officeart/2005/8/layout/hierarchy1"/>
     <dgm:cxn modelId="{64371D9D-D3EE-46BD-B457-A553AAFE56D5}" srcId="{79D28BA1-8C9B-4411-A49A-34E2F4DFD6C3}" destId="{3B83BA6D-D8DD-4320-B9A4-1642B4C83254}" srcOrd="1" destOrd="0" parTransId="{65563AB2-23F6-4C68-964E-72D89700E817}" sibTransId="{1727986E-B835-42E9-AA7F-01E93AE98C89}"/>
+    <dgm:cxn modelId="{2495459E-F15A-46AD-823E-A7011940FB68}" srcId="{4A258F56-9220-4831-954B-0752C6130E93}" destId="{9DD2441F-02D9-4D7B-BB1E-1B1E6F3604BD}" srcOrd="3" destOrd="0" parTransId="{D8ED88B7-556C-436A-ACA7-60D2CDF1EEF8}" sibTransId="{492D8396-6DE5-420F-A4E8-15362DAD05EC}"/>
     <dgm:cxn modelId="{DE6F3CA6-082D-469A-BB39-92DAC98972DA}" type="presOf" srcId="{39A555B5-5401-4A34-B740-3034F2C70088}" destId="{410102B3-D223-43AB-AC10-1B603D9A4FE0}" srcOrd="0" destOrd="0" presId="urn:microsoft.com/office/officeart/2005/8/layout/hierarchy1"/>
-    <dgm:cxn modelId="{6AAC9571-BAA7-4575-B7EF-BD1A2A8CFE97}" type="presOf" srcId="{60DA7E18-F85F-4D3C-BB54-37B62C3DACB1}" destId="{E9DE0E90-ED90-476F-91D4-9A5A148B4CA9}" srcOrd="0" destOrd="0" presId="urn:microsoft.com/office/officeart/2005/8/layout/hierarchy1"/>
-    <dgm:cxn modelId="{2495459E-F15A-46AD-823E-A7011940FB68}" srcId="{4A258F56-9220-4831-954B-0752C6130E93}" destId="{9DD2441F-02D9-4D7B-BB1E-1B1E6F3604BD}" srcOrd="3" destOrd="0" parTransId="{D8ED88B7-556C-436A-ACA7-60D2CDF1EEF8}" sibTransId="{492D8396-6DE5-420F-A4E8-15362DAD05EC}"/>
-    <dgm:cxn modelId="{DEA23D74-F6A9-47A9-ABB0-8BDCF5918218}" srcId="{4A258F56-9220-4831-954B-0752C6130E93}" destId="{E37DBF2F-FF1D-4D04-BD49-06F9115B5186}" srcOrd="0" destOrd="0" parTransId="{E0E3D9FB-54EB-4D84-81EA-3AB6E09698C7}" sibTransId="{874A2D9C-4336-4E5D-B9A3-A086CFBA3B1D}"/>
-    <dgm:cxn modelId="{EB5A4B8B-3000-4657-BE8C-D7925D9259AE}" srcId="{4A258F56-9220-4831-954B-0752C6130E93}" destId="{79D28BA1-8C9B-4411-A49A-34E2F4DFD6C3}" srcOrd="1" destOrd="0" parTransId="{B05B3854-D5DE-4747-91E6-0AA97925CB4E}" sibTransId="{0B0AA13E-5068-48A7-85E5-C1FDFF91D0AC}"/>
-    <dgm:cxn modelId="{4B419950-171E-41AA-AA16-A376F02C73A6}" srcId="{640DF01D-1B22-443B-AB60-6ECB48179393}" destId="{6DF6108E-6B98-44DF-80FE-DF48BCA0FC62}" srcOrd="0" destOrd="0" parTransId="{CBDACCEA-833B-4F05-A461-A1812D62B090}" sibTransId="{6AEA9344-8156-4362-93E2-C7F335CDBF95}"/>
-    <dgm:cxn modelId="{81592026-7EFA-4693-925C-08B748B84C86}" type="presOf" srcId="{F2A3A1DA-C95D-442F-8E0A-75203EAFE18F}" destId="{AA16AC7B-B35D-4776-B684-76B410A725D6}" srcOrd="0" destOrd="0" presId="urn:microsoft.com/office/officeart/2005/8/layout/hierarchy1"/>
+    <dgm:cxn modelId="{0C0EB2A8-7036-4DDA-8D6E-2D5632FA0BC5}" srcId="{E37DBF2F-FF1D-4D04-BD49-06F9115B5186}" destId="{CB931D35-FCCE-46DA-A8E8-210CE2F0E1EC}" srcOrd="0" destOrd="0" parTransId="{F9F12511-8416-4382-B904-BCA4B6AE431B}" sibTransId="{764F8E25-2EE0-4DEF-8EB3-1E2630D190A2}"/>
+    <dgm:cxn modelId="{8C53C0AE-5AF7-4A5C-A78D-39DD300FD8F0}" type="presOf" srcId="{E37DBF2F-FF1D-4D04-BD49-06F9115B5186}" destId="{A2ACC0CC-FF4D-4EA0-A526-8B9238E11E0F}" srcOrd="0" destOrd="0" presId="urn:microsoft.com/office/officeart/2005/8/layout/hierarchy1"/>
+    <dgm:cxn modelId="{A39725B7-251D-482D-9F2B-260ECE0F7289}" type="presOf" srcId="{3C074095-3F27-44A2-9C8B-F3523FE0E0DB}" destId="{44BEFC38-DD0A-44B6-B76D-F930A9CD8C23}" srcOrd="0" destOrd="0" presId="urn:microsoft.com/office/officeart/2005/8/layout/hierarchy1"/>
+    <dgm:cxn modelId="{A81FC2BB-6F3A-4DF2-A362-97C6055BD55D}" type="presOf" srcId="{B05B3854-D5DE-4747-91E6-0AA97925CB4E}" destId="{91F39854-E9E3-4C33-B278-D7143A3E1A0B}" srcOrd="0" destOrd="0" presId="urn:microsoft.com/office/officeart/2005/8/layout/hierarchy1"/>
+    <dgm:cxn modelId="{296265BF-8BC4-4D00-B994-B16B909E966C}" srcId="{79D28BA1-8C9B-4411-A49A-34E2F4DFD6C3}" destId="{8A7FABD7-4462-484B-A98A-98BCEA7B65E6}" srcOrd="4" destOrd="0" parTransId="{09932A12-1EAD-4416-AF16-62A9B3A7DAC6}" sibTransId="{D0AFCC2F-BE61-43AC-AFAF-D68A984ED6CE}"/>
+    <dgm:cxn modelId="{CF22C4C2-A1C4-48B2-BE67-B684DB589B99}" srcId="{79D28BA1-8C9B-4411-A49A-34E2F4DFD6C3}" destId="{2DC7E84E-7FCE-4B48-9E2E-394C06537B89}" srcOrd="3" destOrd="0" parTransId="{3C074095-3F27-44A2-9C8B-F3523FE0E0DB}" sibTransId="{7A594E76-3F2A-425B-B5AB-E7BEC22A54B7}"/>
+    <dgm:cxn modelId="{933FB5C8-019B-477F-B80D-51E2B1AE41ED}" srcId="{88574BA9-F3F7-4E54-8DBF-8437E2267FB8}" destId="{4A258F56-9220-4831-954B-0752C6130E93}" srcOrd="0" destOrd="0" parTransId="{9ED9AF9D-EC67-480F-ADF4-9042EAAE8F58}" sibTransId="{ADBA6655-8A61-40D9-86ED-1DA769521117}"/>
+    <dgm:cxn modelId="{9FFF1ECA-5AE3-425D-BCE3-C1436A51F32F}" type="presOf" srcId="{640DF01D-1B22-443B-AB60-6ECB48179393}" destId="{82B60949-12AA-4BD3-9BB9-30EA91343A9C}" srcOrd="0" destOrd="0" presId="urn:microsoft.com/office/officeart/2005/8/layout/hierarchy1"/>
+    <dgm:cxn modelId="{ADB0EECB-609C-46DA-9DBC-D8F318A1D1E6}" type="presOf" srcId="{CB931D35-FCCE-46DA-A8E8-210CE2F0E1EC}" destId="{7FD3B43A-9743-4CF3-9E05-2EADF8D28AD7}" srcOrd="0" destOrd="0" presId="urn:microsoft.com/office/officeart/2005/8/layout/hierarchy1"/>
     <dgm:cxn modelId="{22E899CD-A440-4156-B2A9-1E997DC2E802}" type="presOf" srcId="{3B83BA6D-D8DD-4320-B9A4-1642B4C83254}" destId="{288049B8-275E-4710-A639-CBFD97476C1A}" srcOrd="0" destOrd="0" presId="urn:microsoft.com/office/officeart/2005/8/layout/hierarchy1"/>
-    <dgm:cxn modelId="{9E099859-319E-46B9-ABF8-14E3F63D6AEE}" srcId="{79D28BA1-8C9B-4411-A49A-34E2F4DFD6C3}" destId="{235ED348-EA11-4287-97F4-79CCAE69B756}" srcOrd="2" destOrd="0" parTransId="{DE47D2C3-087A-4761-93A5-2E4AC2A452C1}" sibTransId="{F43F3675-95DC-4023-8127-560DAEDAA21D}"/>
-    <dgm:cxn modelId="{560D3D92-B387-4100-B293-36E0B2CB5181}" type="presOf" srcId="{A84C8F00-0C6D-4932-99F1-2A9A77995F13}" destId="{DA80BE77-AF83-49E4-BA68-9E4D20190D7A}" srcOrd="0" destOrd="0" presId="urn:microsoft.com/office/officeart/2005/8/layout/hierarchy1"/>
-    <dgm:cxn modelId="{DB109154-BC74-4495-8A3F-48D468028D01}" srcId="{9DD2441F-02D9-4D7B-BB1E-1B1E6F3604BD}" destId="{82B5076A-2556-4F72-B70A-7A79460B1B9F}" srcOrd="1" destOrd="0" parTransId="{F2A3A1DA-C95D-442F-8E0A-75203EAFE18F}" sibTransId="{67676F4C-DE72-41DE-8273-CB0ABFD3301F}"/>
-    <dgm:cxn modelId="{A81FC2BB-6F3A-4DF2-A362-97C6055BD55D}" type="presOf" srcId="{B05B3854-D5DE-4747-91E6-0AA97925CB4E}" destId="{91F39854-E9E3-4C33-B278-D7143A3E1A0B}" srcOrd="0" destOrd="0" presId="urn:microsoft.com/office/officeart/2005/8/layout/hierarchy1"/>
-    <dgm:cxn modelId="{A5EED676-FC22-4F91-859F-4E8BC1DE53D3}" type="presOf" srcId="{235ED348-EA11-4287-97F4-79CCAE69B756}" destId="{180E9229-07CD-49D0-97C4-A2F9219F4B53}" srcOrd="0" destOrd="0" presId="urn:microsoft.com/office/officeart/2005/8/layout/hierarchy1"/>
     <dgm:cxn modelId="{A163EEE3-19FA-4249-BCDD-4E05D9BABD5F}" srcId="{4A258F56-9220-4831-954B-0752C6130E93}" destId="{640DF01D-1B22-443B-AB60-6ECB48179393}" srcOrd="2" destOrd="0" parTransId="{39A555B5-5401-4A34-B740-3034F2C70088}" sibTransId="{C6A06DA8-EC3F-4399-B754-989C71E3FCF0}"/>
-    <dgm:cxn modelId="{E0AE2F72-189D-44C7-BD16-63BDE4BADF0B}" srcId="{9DD2441F-02D9-4D7B-BB1E-1B1E6F3604BD}" destId="{5934D71E-5F2A-49D9-9E77-AA32DF7F176A}" srcOrd="0" destOrd="0" parTransId="{DC58ED97-0CBF-474F-8A33-857F73BB94CB}" sibTransId="{853BBE1C-A3D5-4FDB-93C0-7A6696827671}"/>
-    <dgm:cxn modelId="{CDDB9B49-60C6-49C9-A395-8BC5F18D1F54}" type="presOf" srcId="{09932A12-1EAD-4416-AF16-62A9B3A7DAC6}" destId="{67F28220-00D8-41BB-B9F6-2D419FFB008A}" srcOrd="0" destOrd="0" presId="urn:microsoft.com/office/officeart/2005/8/layout/hierarchy1"/>
-    <dgm:cxn modelId="{4B60F115-8ECA-43FC-B7DB-59A0F49D45AC}" type="presOf" srcId="{D8ED88B7-556C-436A-ACA7-60D2CDF1EEF8}" destId="{7AA1884F-FDD5-4C0A-928C-90DBFB29744B}" srcOrd="0" destOrd="0" presId="urn:microsoft.com/office/officeart/2005/8/layout/hierarchy1"/>
-    <dgm:cxn modelId="{6F741456-6733-4F74-8287-572EC8234558}" srcId="{79D28BA1-8C9B-4411-A49A-34E2F4DFD6C3}" destId="{1C556762-7846-4E90-A59B-AD827FC63C1E}" srcOrd="0" destOrd="0" parTransId="{97A58660-223F-4D04-A250-A9C416CF27F9}" sibTransId="{5FB16DF7-4742-481D-BF1D-F9523C25A751}"/>
-    <dgm:cxn modelId="{933FB5C8-019B-477F-B80D-51E2B1AE41ED}" srcId="{88574BA9-F3F7-4E54-8DBF-8437E2267FB8}" destId="{4A258F56-9220-4831-954B-0752C6130E93}" srcOrd="0" destOrd="0" parTransId="{9ED9AF9D-EC67-480F-ADF4-9042EAAE8F58}" sibTransId="{ADBA6655-8A61-40D9-86ED-1DA769521117}"/>
-    <dgm:cxn modelId="{C7F4161B-05C7-42C1-A76D-A0027AC9B8AF}" type="presOf" srcId="{DE47D2C3-087A-4761-93A5-2E4AC2A452C1}" destId="{BE36FD89-A5E5-4764-8152-190EC0601051}" srcOrd="0" destOrd="0" presId="urn:microsoft.com/office/officeart/2005/8/layout/hierarchy1"/>
-    <dgm:cxn modelId="{8C53C0AE-5AF7-4A5C-A78D-39DD300FD8F0}" type="presOf" srcId="{E37DBF2F-FF1D-4D04-BD49-06F9115B5186}" destId="{A2ACC0CC-FF4D-4EA0-A526-8B9238E11E0F}" srcOrd="0" destOrd="0" presId="urn:microsoft.com/office/officeart/2005/8/layout/hierarchy1"/>
-    <dgm:cxn modelId="{DD9F038C-2229-4470-97BA-EF85400CB7BC}" type="presOf" srcId="{CBDACCEA-833B-4F05-A461-A1812D62B090}" destId="{595FD265-10D7-4D54-8058-8F04048934CB}" srcOrd="0" destOrd="0" presId="urn:microsoft.com/office/officeart/2005/8/layout/hierarchy1"/>
-    <dgm:cxn modelId="{F7F79347-2947-4792-BE89-1D33A5FA2102}" type="presOf" srcId="{6DF6108E-6B98-44DF-80FE-DF48BCA0FC62}" destId="{13586DB6-7EC8-4CA1-8057-F7E23098196F}" srcOrd="0" destOrd="0" presId="urn:microsoft.com/office/officeart/2005/8/layout/hierarchy1"/>
     <dgm:cxn modelId="{D72EADEC-F88A-4AE8-9744-048F78CA1905}" type="presOf" srcId="{8A7FABD7-4462-484B-A98A-98BCEA7B65E6}" destId="{09F33F8F-E59C-4CD8-BCD7-A83EB98D5DCC}" srcOrd="0" destOrd="0" presId="urn:microsoft.com/office/officeart/2005/8/layout/hierarchy1"/>
-    <dgm:cxn modelId="{3D6B2C60-2298-43F7-AC72-BD9A5DA16A8E}" type="presOf" srcId="{97740401-8FF8-4C25-9E1D-9E10CA215E58}" destId="{864549E6-F46A-47C4-9F83-2C49ECF645A7}" srcOrd="0" destOrd="0" presId="urn:microsoft.com/office/officeart/2005/8/layout/hierarchy1"/>
-    <dgm:cxn modelId="{AB33380D-E3F9-40B4-AC17-4C0BDA08A200}" srcId="{E37DBF2F-FF1D-4D04-BD49-06F9115B5186}" destId="{60DA7E18-F85F-4D3C-BB54-37B62C3DACB1}" srcOrd="2" destOrd="0" parTransId="{97740401-8FF8-4C25-9E1D-9E10CA215E58}" sibTransId="{40495C18-58E8-494E-AD64-07BA9D380B36}"/>
-    <dgm:cxn modelId="{5304E44D-89A4-4F2C-B5E8-67D0B010F6CB}" srcId="{E37DBF2F-FF1D-4D04-BD49-06F9115B5186}" destId="{A84C8F00-0C6D-4932-99F1-2A9A77995F13}" srcOrd="1" destOrd="0" parTransId="{8EC76F6B-A194-4D63-83D0-2B047E117D23}" sibTransId="{E1FF815F-9124-47C1-B49A-EAB9358FED78}"/>
-    <dgm:cxn modelId="{520D4539-69A7-44AD-BF4B-9F6983823AED}" type="presOf" srcId="{8EC76F6B-A194-4D63-83D0-2B047E117D23}" destId="{920E9499-8583-4C36-8FFB-9FE05953463B}" srcOrd="0" destOrd="0" presId="urn:microsoft.com/office/officeart/2005/8/layout/hierarchy1"/>
-    <dgm:cxn modelId="{A39725B7-251D-482D-9F2B-260ECE0F7289}" type="presOf" srcId="{3C074095-3F27-44A2-9C8B-F3523FE0E0DB}" destId="{44BEFC38-DD0A-44B6-B76D-F930A9CD8C23}" srcOrd="0" destOrd="0" presId="urn:microsoft.com/office/officeart/2005/8/layout/hierarchy1"/>
-    <dgm:cxn modelId="{AA77AE63-CAB4-406F-9FE5-D8BEF85618A4}" type="presOf" srcId="{1C556762-7846-4E90-A59B-AD827FC63C1E}" destId="{D3C351FC-8733-40B4-A831-0CE5707B1928}" srcOrd="0" destOrd="0" presId="urn:microsoft.com/office/officeart/2005/8/layout/hierarchy1"/>
-    <dgm:cxn modelId="{E9BF4C24-6873-40D6-BCA1-EE985EBFBBC4}" type="presOf" srcId="{2DC7E84E-7FCE-4B48-9E2E-394C06537B89}" destId="{F417788D-41BE-4709-8881-AC4C734CFB58}" srcOrd="0" destOrd="0" presId="urn:microsoft.com/office/officeart/2005/8/layout/hierarchy1"/>
-    <dgm:cxn modelId="{9FFF1ECA-5AE3-425D-BCE3-C1436A51F32F}" type="presOf" srcId="{640DF01D-1B22-443B-AB60-6ECB48179393}" destId="{82B60949-12AA-4BD3-9BB9-30EA91343A9C}" srcOrd="0" destOrd="0" presId="urn:microsoft.com/office/officeart/2005/8/layout/hierarchy1"/>
-    <dgm:cxn modelId="{DF54CE24-225C-40C9-92E6-255C492D6796}" type="presOf" srcId="{4A258F56-9220-4831-954B-0752C6130E93}" destId="{74CC4AB6-D6D3-4E3C-89CF-FAD437EFD2BA}" srcOrd="0" destOrd="0" presId="urn:microsoft.com/office/officeart/2005/8/layout/hierarchy1"/>
-    <dgm:cxn modelId="{D485F900-F0F9-4D1F-AA20-828586E33903}" type="presOf" srcId="{E0E3D9FB-54EB-4D84-81EA-3AB6E09698C7}" destId="{1245DD98-B8EC-4418-A6AD-FD17AED71F28}" srcOrd="0" destOrd="0" presId="urn:microsoft.com/office/officeart/2005/8/layout/hierarchy1"/>
-    <dgm:cxn modelId="{ABD63817-5D87-46FA-8404-A6414275375E}" type="presOf" srcId="{79D28BA1-8C9B-4411-A49A-34E2F4DFD6C3}" destId="{5CFD5CB4-2EC6-4C2D-AB5A-2A929D973F92}" srcOrd="0" destOrd="0" presId="urn:microsoft.com/office/officeart/2005/8/layout/hierarchy1"/>
-    <dgm:cxn modelId="{0C0EB2A8-7036-4DDA-8D6E-2D5632FA0BC5}" srcId="{E37DBF2F-FF1D-4D04-BD49-06F9115B5186}" destId="{CB931D35-FCCE-46DA-A8E8-210CE2F0E1EC}" srcOrd="0" destOrd="0" parTransId="{F9F12511-8416-4382-B904-BCA4B6AE431B}" sibTransId="{764F8E25-2EE0-4DEF-8EB3-1E2630D190A2}"/>
-    <dgm:cxn modelId="{ADB0EECB-609C-46DA-9DBC-D8F318A1D1E6}" type="presOf" srcId="{CB931D35-FCCE-46DA-A8E8-210CE2F0E1EC}" destId="{7FD3B43A-9743-4CF3-9E05-2EADF8D28AD7}" srcOrd="0" destOrd="0" presId="urn:microsoft.com/office/officeart/2005/8/layout/hierarchy1"/>
-    <dgm:cxn modelId="{71BEFE4E-8641-40AC-82DA-34BB24322AC9}" type="presOf" srcId="{DC58ED97-0CBF-474F-8A33-857F73BB94CB}" destId="{38FF5EAF-685B-43B6-9F2D-94074CE5C615}" srcOrd="0" destOrd="0" presId="urn:microsoft.com/office/officeart/2005/8/layout/hierarchy1"/>
-    <dgm:cxn modelId="{296265BF-8BC4-4D00-B994-B16B909E966C}" srcId="{79D28BA1-8C9B-4411-A49A-34E2F4DFD6C3}" destId="{8A7FABD7-4462-484B-A98A-98BCEA7B65E6}" srcOrd="4" destOrd="0" parTransId="{09932A12-1EAD-4416-AF16-62A9B3A7DAC6}" sibTransId="{D0AFCC2F-BE61-43AC-AFAF-D68A984ED6CE}"/>
     <dgm:cxn modelId="{9D7CAAF9-FAD3-4BA0-BCA6-7C073B3F3713}" type="presOf" srcId="{97A58660-223F-4D04-A250-A9C416CF27F9}" destId="{3A2FCB6C-3F3B-4ED4-80EA-D0ECE31C751D}" srcOrd="0" destOrd="0" presId="urn:microsoft.com/office/officeart/2005/8/layout/hierarchy1"/>
-    <dgm:cxn modelId="{6230936E-41D5-4AAA-8DA8-5A0143E3F779}" type="presOf" srcId="{65563AB2-23F6-4C68-964E-72D89700E817}" destId="{12DF3727-C0F9-43BC-BFF1-3BFE758E09D1}" srcOrd="0" destOrd="0" presId="urn:microsoft.com/office/officeart/2005/8/layout/hierarchy1"/>
-    <dgm:cxn modelId="{F7DDC124-93F4-447B-A3DA-78BB5EDE21DC}" type="presOf" srcId="{9DD2441F-02D9-4D7B-BB1E-1B1E6F3604BD}" destId="{BC6F6DBF-54F4-49B7-96A3-8F23F1898CDF}" srcOrd="0" destOrd="0" presId="urn:microsoft.com/office/officeart/2005/8/layout/hierarchy1"/>
-    <dgm:cxn modelId="{5329C87F-2ECB-4CBE-846E-4B89A02B0FF2}" type="presOf" srcId="{5934D71E-5F2A-49D9-9E77-AA32DF7F176A}" destId="{8940056C-1AE9-47AF-BD4F-5893D9CD9865}" srcOrd="0" destOrd="0" presId="urn:microsoft.com/office/officeart/2005/8/layout/hierarchy1"/>
-    <dgm:cxn modelId="{CF22C4C2-A1C4-48B2-BE67-B684DB589B99}" srcId="{79D28BA1-8C9B-4411-A49A-34E2F4DFD6C3}" destId="{2DC7E84E-7FCE-4B48-9E2E-394C06537B89}" srcOrd="3" destOrd="0" parTransId="{3C074095-3F27-44A2-9C8B-F3523FE0E0DB}" sibTransId="{7A594E76-3F2A-425B-B5AB-E7BEC22A54B7}"/>
-    <dgm:cxn modelId="{2288C453-69CA-4E7E-BD68-9E1B61FE4505}" type="presOf" srcId="{82B5076A-2556-4F72-B70A-7A79460B1B9F}" destId="{6151F519-33C9-453C-9B6D-3A9CC6CB974B}" srcOrd="0" destOrd="0" presId="urn:microsoft.com/office/officeart/2005/8/layout/hierarchy1"/>
-    <dgm:cxn modelId="{F663F060-ADDB-4FCD-99D0-47B34C1A6CE5}" type="presOf" srcId="{F9F12511-8416-4382-B904-BCA4B6AE431B}" destId="{B505D8BC-B70A-4E6B-8B71-D246A82BB1DD}" srcOrd="0" destOrd="0" presId="urn:microsoft.com/office/officeart/2005/8/layout/hierarchy1"/>
-    <dgm:cxn modelId="{2BAEDD1B-AA5F-40C2-BE61-75791DA2AEF7}" type="presOf" srcId="{88574BA9-F3F7-4E54-8DBF-8437E2267FB8}" destId="{2D315DD9-DC31-4CE0-909F-F2DD5C4E686A}" srcOrd="0" destOrd="0" presId="urn:microsoft.com/office/officeart/2005/8/layout/hierarchy1"/>
     <dgm:cxn modelId="{674C9867-3E85-41F6-B510-626EC43B2799}" type="presParOf" srcId="{2D315DD9-DC31-4CE0-909F-F2DD5C4E686A}" destId="{7F9F7393-EC6A-483B-B97B-A3921635C1F6}" srcOrd="0" destOrd="0" presId="urn:microsoft.com/office/officeart/2005/8/layout/hierarchy1"/>
     <dgm:cxn modelId="{E0204ED3-B479-4BE6-ABC7-50D92D324368}" type="presParOf" srcId="{7F9F7393-EC6A-483B-B97B-A3921635C1F6}" destId="{36AC8AA8-8612-4CB6-947E-2084EF9884CF}" srcOrd="0" destOrd="0" presId="urn:microsoft.com/office/officeart/2005/8/layout/hierarchy1"/>
     <dgm:cxn modelId="{B5C55E92-45F9-444C-B821-3FA9EDC5F86E}" type="presParOf" srcId="{36AC8AA8-8612-4CB6-947E-2084EF9884CF}" destId="{CCA12C5C-912C-4096-8C51-F3C8D1F5EAA1}" srcOrd="0" destOrd="0" presId="urn:microsoft.com/office/officeart/2005/8/layout/hierarchy1"/>
@@ -4320,7 +3743,7 @@
         </a:bodyPr>
         <a:lstStyle/>
         <a:p>
-          <a:pPr lvl="0" algn="ctr" defTabSz="444500">
+          <a:pPr marL="0" lvl="0" indent="0" algn="ctr" defTabSz="444500">
             <a:lnSpc>
               <a:spcPct val="90000"/>
             </a:lnSpc>
@@ -4330,6 +3753,7 @@
             <a:spcAft>
               <a:spcPct val="35000"/>
             </a:spcAft>
+            <a:buNone/>
           </a:pPr>
           <a:r>
             <a:rPr lang="en-US" sz="1000" kern="1200" dirty="0"/>
@@ -4482,7 +3906,7 @@
         </a:bodyPr>
         <a:lstStyle/>
         <a:p>
-          <a:pPr lvl="0" algn="ctr" defTabSz="444500">
+          <a:pPr marL="0" lvl="0" indent="0" algn="ctr" defTabSz="444500">
             <a:lnSpc>
               <a:spcPct val="90000"/>
             </a:lnSpc>
@@ -4492,12 +3916,12 @@
             <a:spcAft>
               <a:spcPct val="35000"/>
             </a:spcAft>
+            <a:buNone/>
           </a:pPr>
           <a:r>
-            <a:rPr lang="en-US" sz="1000" kern="1200" dirty="0" smtClean="0"/>
+            <a:rPr lang="en-US" sz="1000" kern="1200" dirty="0"/>
             <a:t>Destination</a:t>
           </a:r>
-          <a:endParaRPr lang="en-US" sz="1000" kern="1200" dirty="0"/>
         </a:p>
       </dsp:txBody>
       <dsp:txXfrm>
@@ -4645,7 +4069,7 @@
         </a:bodyPr>
         <a:lstStyle/>
         <a:p>
-          <a:pPr lvl="0" algn="ctr" defTabSz="355600">
+          <a:pPr marL="0" lvl="0" indent="0" algn="ctr" defTabSz="355600">
             <a:lnSpc>
               <a:spcPct val="90000"/>
             </a:lnSpc>
@@ -4655,18 +4079,15 @@
             <a:spcAft>
               <a:spcPct val="35000"/>
             </a:spcAft>
+            <a:buNone/>
           </a:pPr>
           <a:r>
-            <a:rPr lang="en-US" sz="800" kern="1200" dirty="0" smtClean="0"/>
-            <a:t>Short </a:t>
-          </a:r>
-          <a:r>
-            <a:rPr lang="en-US" sz="800" kern="1200" dirty="0" smtClean="0"/>
-            <a:t>Rides</a:t>
+            <a:rPr lang="en-US" sz="800" kern="1200" dirty="0"/>
+            <a:t>Short Rides</a:t>
           </a:r>
         </a:p>
         <a:p>
-          <a:pPr lvl="0" algn="ctr" defTabSz="355600">
+          <a:pPr marL="0" lvl="0" indent="0" algn="ctr" defTabSz="355600">
             <a:lnSpc>
               <a:spcPct val="90000"/>
             </a:lnSpc>
@@ -4676,9 +4097,10 @@
             <a:spcAft>
               <a:spcPct val="35000"/>
             </a:spcAft>
+            <a:buNone/>
           </a:pPr>
           <a:r>
-            <a:rPr lang="en-US" sz="800" kern="1200" dirty="0" smtClean="0"/>
+            <a:rPr lang="en-US" sz="800" kern="1200" dirty="0"/>
             <a:t> (Day Tour)</a:t>
           </a:r>
         </a:p>
@@ -4828,7 +4250,7 @@
         </a:bodyPr>
         <a:lstStyle/>
         <a:p>
-          <a:pPr lvl="0" algn="ctr" defTabSz="355600">
+          <a:pPr marL="0" lvl="0" indent="0" algn="ctr" defTabSz="355600">
             <a:lnSpc>
               <a:spcPct val="90000"/>
             </a:lnSpc>
@@ -4838,18 +4260,15 @@
             <a:spcAft>
               <a:spcPct val="35000"/>
             </a:spcAft>
+            <a:buNone/>
           </a:pPr>
           <a:r>
-            <a:rPr lang="en-US" sz="800" kern="1200" dirty="0" smtClean="0"/>
-            <a:t>Long </a:t>
-          </a:r>
-          <a:r>
-            <a:rPr lang="en-US" sz="800" kern="1200" dirty="0" smtClean="0"/>
-            <a:t>Rides</a:t>
+            <a:rPr lang="en-US" sz="800" kern="1200" dirty="0"/>
+            <a:t>Long Rides</a:t>
           </a:r>
         </a:p>
         <a:p>
-          <a:pPr lvl="0" algn="ctr" defTabSz="355600">
+          <a:pPr marL="0" lvl="0" indent="0" algn="ctr" defTabSz="355600">
             <a:lnSpc>
               <a:spcPct val="90000"/>
             </a:lnSpc>
@@ -4859,12 +4278,12 @@
             <a:spcAft>
               <a:spcPct val="35000"/>
             </a:spcAft>
+            <a:buNone/>
           </a:pPr>
           <a:r>
-            <a:rPr lang="en-US" sz="800" kern="1200" dirty="0" smtClean="0"/>
+            <a:rPr lang="en-US" sz="800" kern="1200" dirty="0"/>
             <a:t>(2-3 days) </a:t>
           </a:r>
-          <a:endParaRPr lang="en-US" sz="800" kern="1200" dirty="0"/>
         </a:p>
       </dsp:txBody>
       <dsp:txXfrm>
@@ -5012,7 +4431,7 @@
         </a:bodyPr>
         <a:lstStyle/>
         <a:p>
-          <a:pPr lvl="0" algn="ctr" defTabSz="355600">
+          <a:pPr marL="0" lvl="0" indent="0" algn="ctr" defTabSz="355600">
             <a:lnSpc>
               <a:spcPct val="90000"/>
             </a:lnSpc>
@@ -5022,18 +4441,15 @@
             <a:spcAft>
               <a:spcPct val="35000"/>
             </a:spcAft>
+            <a:buNone/>
           </a:pPr>
           <a:r>
-            <a:rPr lang="en-US" sz="800" kern="1200" dirty="0" smtClean="0"/>
-            <a:t>Longer </a:t>
-          </a:r>
-          <a:r>
-            <a:rPr lang="en-US" sz="800" kern="1200" dirty="0" smtClean="0"/>
-            <a:t>Rides </a:t>
+            <a:rPr lang="en-US" sz="800" kern="1200" dirty="0"/>
+            <a:t>Longer Rides </a:t>
           </a:r>
         </a:p>
         <a:p>
-          <a:pPr lvl="0" algn="ctr" defTabSz="355600">
+          <a:pPr marL="0" lvl="0" indent="0" algn="ctr" defTabSz="355600">
             <a:lnSpc>
               <a:spcPct val="90000"/>
             </a:lnSpc>
@@ -5043,12 +4459,12 @@
             <a:spcAft>
               <a:spcPct val="35000"/>
             </a:spcAft>
+            <a:buNone/>
           </a:pPr>
           <a:r>
-            <a:rPr lang="en-US" sz="800" kern="1200" dirty="0" smtClean="0"/>
+            <a:rPr lang="en-US" sz="800" kern="1200" dirty="0"/>
             <a:t>(at least 5 days)</a:t>
           </a:r>
-          <a:endParaRPr lang="en-US" sz="800" kern="1200" dirty="0"/>
         </a:p>
       </dsp:txBody>
       <dsp:txXfrm>
@@ -5196,7 +4612,7 @@
         </a:bodyPr>
         <a:lstStyle/>
         <a:p>
-          <a:pPr lvl="0" algn="ctr" defTabSz="444500">
+          <a:pPr marL="0" lvl="0" indent="0" algn="ctr" defTabSz="444500">
             <a:lnSpc>
               <a:spcPct val="90000"/>
             </a:lnSpc>
@@ -5206,12 +4622,12 @@
             <a:spcAft>
               <a:spcPct val="35000"/>
             </a:spcAft>
+            <a:buNone/>
           </a:pPr>
           <a:r>
-            <a:rPr lang="en-US" sz="1000" kern="1200" dirty="0" smtClean="0"/>
+            <a:rPr lang="en-US" sz="1000" kern="1200" dirty="0"/>
             <a:t>Inspiration</a:t>
           </a:r>
-          <a:endParaRPr lang="en-US" sz="1000" kern="1200" dirty="0"/>
         </a:p>
       </dsp:txBody>
       <dsp:txXfrm>
@@ -5359,7 +4775,7 @@
         </a:bodyPr>
         <a:lstStyle/>
         <a:p>
-          <a:pPr lvl="0" algn="ctr" defTabSz="444500">
+          <a:pPr marL="0" lvl="0" indent="0" algn="ctr" defTabSz="444500">
             <a:lnSpc>
               <a:spcPct val="90000"/>
             </a:lnSpc>
@@ -5369,6 +4785,7 @@
             <a:spcAft>
               <a:spcPct val="35000"/>
             </a:spcAft>
+            <a:buNone/>
           </a:pPr>
           <a:r>
             <a:rPr lang="en-US" sz="1000" kern="1200" dirty="0"/>
@@ -5521,7 +4938,7 @@
         </a:bodyPr>
         <a:lstStyle/>
         <a:p>
-          <a:pPr lvl="0" algn="ctr" defTabSz="444500">
+          <a:pPr marL="0" lvl="0" indent="0" algn="ctr" defTabSz="444500">
             <a:lnSpc>
               <a:spcPct val="90000"/>
             </a:lnSpc>
@@ -5531,6 +4948,7 @@
             <a:spcAft>
               <a:spcPct val="35000"/>
             </a:spcAft>
+            <a:buNone/>
           </a:pPr>
           <a:r>
             <a:rPr lang="en-US" sz="1000" kern="1200" dirty="0"/>
@@ -5683,7 +5101,7 @@
         </a:bodyPr>
         <a:lstStyle/>
         <a:p>
-          <a:pPr lvl="0" algn="ctr" defTabSz="444500">
+          <a:pPr marL="0" lvl="0" indent="0" algn="ctr" defTabSz="444500">
             <a:lnSpc>
               <a:spcPct val="90000"/>
             </a:lnSpc>
@@ -5693,12 +5111,12 @@
             <a:spcAft>
               <a:spcPct val="35000"/>
             </a:spcAft>
+            <a:buNone/>
           </a:pPr>
           <a:r>
-            <a:rPr lang="en-US" sz="1000" kern="1200" dirty="0" smtClean="0"/>
+            <a:rPr lang="en-US" sz="1000" kern="1200" dirty="0"/>
             <a:t>Adventure</a:t>
           </a:r>
-          <a:endParaRPr lang="en-US" sz="1000" kern="1200" dirty="0"/>
         </a:p>
       </dsp:txBody>
       <dsp:txXfrm>
@@ -5846,7 +5264,7 @@
         </a:bodyPr>
         <a:lstStyle/>
         <a:p>
-          <a:pPr lvl="0" algn="ctr" defTabSz="444500">
+          <a:pPr marL="0" lvl="0" indent="0" algn="ctr" defTabSz="444500">
             <a:lnSpc>
               <a:spcPct val="90000"/>
             </a:lnSpc>
@@ -5856,6 +5274,7 @@
             <a:spcAft>
               <a:spcPct val="35000"/>
             </a:spcAft>
+            <a:buNone/>
           </a:pPr>
           <a:r>
             <a:rPr lang="en-US" sz="1000" kern="1200" dirty="0"/>
@@ -6008,7 +5427,7 @@
         </a:bodyPr>
         <a:lstStyle/>
         <a:p>
-          <a:pPr lvl="0" algn="ctr" defTabSz="444500">
+          <a:pPr marL="0" lvl="0" indent="0" algn="ctr" defTabSz="444500">
             <a:lnSpc>
               <a:spcPct val="90000"/>
             </a:lnSpc>
@@ -6018,6 +5437,7 @@
             <a:spcAft>
               <a:spcPct val="35000"/>
             </a:spcAft>
+            <a:buNone/>
           </a:pPr>
           <a:r>
             <a:rPr lang="en-US" sz="1000" kern="1200" dirty="0"/>
@@ -6170,7 +5590,7 @@
         </a:bodyPr>
         <a:lstStyle/>
         <a:p>
-          <a:pPr lvl="0" algn="ctr" defTabSz="444500">
+          <a:pPr marL="0" lvl="0" indent="0" algn="ctr" defTabSz="444500">
             <a:lnSpc>
               <a:spcPct val="90000"/>
             </a:lnSpc>
@@ -6180,6 +5600,7 @@
             <a:spcAft>
               <a:spcPct val="35000"/>
             </a:spcAft>
+            <a:buNone/>
           </a:pPr>
           <a:r>
             <a:rPr lang="en-US" sz="1000" kern="1200" dirty="0"/>
@@ -6332,7 +5753,7 @@
         </a:bodyPr>
         <a:lstStyle/>
         <a:p>
-          <a:pPr lvl="0" algn="ctr" defTabSz="444500" rtl="0">
+          <a:pPr marL="0" lvl="0" indent="0" algn="ctr" defTabSz="444500" rtl="0">
             <a:lnSpc>
               <a:spcPct val="90000"/>
             </a:lnSpc>
@@ -6342,6 +5763,7 @@
             <a:spcAft>
               <a:spcPct val="35000"/>
             </a:spcAft>
+            <a:buNone/>
           </a:pPr>
           <a:r>
             <a:rPr lang="en-US" sz="1000" kern="1200" dirty="0"/>
@@ -6494,7 +5916,7 @@
         </a:bodyPr>
         <a:lstStyle/>
         <a:p>
-          <a:pPr lvl="0" algn="ctr" defTabSz="444500" rtl="0">
+          <a:pPr marL="0" lvl="0" indent="0" algn="ctr" defTabSz="444500" rtl="0">
             <a:lnSpc>
               <a:spcPct val="90000"/>
             </a:lnSpc>
@@ -6504,6 +5926,7 @@
             <a:spcAft>
               <a:spcPct val="35000"/>
             </a:spcAft>
+            <a:buNone/>
           </a:pPr>
           <a:r>
             <a:rPr lang="en-US" sz="1000" kern="1200" dirty="0"/>
@@ -6656,7 +6079,7 @@
         </a:bodyPr>
         <a:lstStyle/>
         <a:p>
-          <a:pPr lvl="0" algn="ctr" defTabSz="444500">
+          <a:pPr marL="0" lvl="0" indent="0" algn="ctr" defTabSz="444500">
             <a:lnSpc>
               <a:spcPct val="90000"/>
             </a:lnSpc>
@@ -6666,6 +6089,7 @@
             <a:spcAft>
               <a:spcPct val="35000"/>
             </a:spcAft>
+            <a:buNone/>
           </a:pPr>
           <a:r>
             <a:rPr lang="en-US" sz="1000" kern="1200" dirty="0"/>
@@ -6818,7 +6242,7 @@
         </a:bodyPr>
         <a:lstStyle/>
         <a:p>
-          <a:pPr lvl="0" algn="ctr" defTabSz="444500" rtl="0">
+          <a:pPr marL="0" lvl="0" indent="0" algn="ctr" defTabSz="444500" rtl="0">
             <a:lnSpc>
               <a:spcPct val="90000"/>
             </a:lnSpc>
@@ -6828,6 +6252,7 @@
             <a:spcAft>
               <a:spcPct val="35000"/>
             </a:spcAft>
+            <a:buNone/>
           </a:pPr>
           <a:r>
             <a:rPr lang="en-US" sz="1000" kern="1200" dirty="0"/>
@@ -14407,7 +13832,7 @@
               </a:spcAft>
               <a:buNone/>
             </a:pPr>
-            <a:endParaRPr lang="en-US" sz="2000" b="1" dirty="0" smtClean="0">
+            <a:endParaRPr lang="en-US" sz="2000" b="1" dirty="0">
               <a:latin typeface="Arial" panose="020B0604020202020204" pitchFamily="34" charset="0"/>
               <a:ea typeface="Roboto"/>
               <a:cs typeface="Arial" panose="020B0604020202020204" pitchFamily="34" charset="0"/>
@@ -14423,7 +13848,7 @@
               </a:spcAft>
               <a:buNone/>
             </a:pPr>
-            <a:endParaRPr lang="en-US" sz="2000" b="1" dirty="0" smtClean="0">
+            <a:endParaRPr lang="en-US" sz="2000" b="1" dirty="0">
               <a:latin typeface="Arial" panose="020B0604020202020204" pitchFamily="34" charset="0"/>
               <a:ea typeface="Roboto"/>
               <a:cs typeface="Arial" panose="020B0604020202020204" pitchFamily="34" charset="0"/>
@@ -14566,13 +13991,6 @@
   <p:clrMapOvr>
     <a:masterClrMapping/>
   </p:clrMapOvr>
-  <p:timing>
-    <p:tnLst>
-      <p:par>
-        <p:cTn id="1" dur="indefinite" restart="never" nodeType="tmRoot"/>
-      </p:par>
-    </p:tnLst>
-  </p:timing>
 </p:sld>
 </file>
 
@@ -15501,13 +14919,7 @@
               <a:rPr lang="en-PH" sz="1800" dirty="0">
                 <a:ea typeface="Roboto"/>
               </a:rPr>
-              <a:t>What theme to choose from</a:t>
-            </a:r>
-            <a:r>
-              <a:rPr lang="en-PH" sz="1800" dirty="0" smtClean="0">
-                <a:ea typeface="Roboto"/>
-              </a:rPr>
-              <a:t>? </a:t>
+              <a:t>What theme to choose from? </a:t>
             </a:r>
             <a:endParaRPr lang="en-PH" sz="1800" dirty="0"/>
           </a:p>
@@ -15815,13 +15227,6 @@
   <p:clrMapOvr>
     <a:masterClrMapping/>
   </p:clrMapOvr>
-  <p:timing>
-    <p:tnLst>
-      <p:par>
-        <p:cTn id="1" dur="indefinite" restart="never" nodeType="tmRoot"/>
-      </p:par>
-    </p:tnLst>
-  </p:timing>
 </p:sld>
 </file>
 
@@ -16274,13 +15679,6 @@
   <p:clrMapOvr>
     <a:masterClrMapping/>
   </p:clrMapOvr>
-  <p:timing>
-    <p:tnLst>
-      <p:par>
-        <p:cTn id="1" dur="indefinite" restart="never" nodeType="tmRoot"/>
-      </p:par>
-    </p:tnLst>
-  </p:timing>
 </p:sld>
 </file>
 
@@ -16605,13 +16003,6 @@
   <p:clrMapOvr>
     <a:masterClrMapping/>
   </p:clrMapOvr>
-  <p:timing>
-    <p:tnLst>
-      <p:par>
-        <p:cTn id="1" dur="indefinite" restart="never" nodeType="tmRoot"/>
-      </p:par>
-    </p:tnLst>
-  </p:timing>
 </p:sld>
 </file>
 

--- a/[KodeGo] Student Project Proposal - GianMiguel.pptx
+++ b/[KodeGo] Student Project Proposal - GianMiguel.pptx
@@ -13971,14 +13971,14 @@
               <a:buNone/>
             </a:pPr>
             <a:r>
-              <a:rPr lang="en" sz="1900" b="1">
+              <a:rPr lang="en" sz="1900" b="1" dirty="0">
                 <a:solidFill>
                   <a:schemeClr val="lt1"/>
                 </a:solidFill>
               </a:rPr>
-              <a:t>Project no.</a:t>
+              <a:t>Project no. 1</a:t>
             </a:r>
-            <a:endParaRPr>
+            <a:endParaRPr dirty="0">
               <a:solidFill>
                 <a:schemeClr val="lt1"/>
               </a:solidFill>
